--- a/ALI ABDUL BASIT.pptx
+++ b/ALI ABDUL BASIT.pptx
@@ -12,9 +12,13 @@
     <p:sldId id="260" r:id="rId6"/>
     <p:sldId id="262" r:id="rId7"/>
     <p:sldId id="265" r:id="rId8"/>
-    <p:sldId id="263" r:id="rId9"/>
-    <p:sldId id="264" r:id="rId10"/>
-    <p:sldId id="266" r:id="rId11"/>
+    <p:sldId id="267" r:id="rId9"/>
+    <p:sldId id="268" r:id="rId10"/>
+    <p:sldId id="269" r:id="rId11"/>
+    <p:sldId id="270" r:id="rId12"/>
+    <p:sldId id="263" r:id="rId13"/>
+    <p:sldId id="264" r:id="rId14"/>
+    <p:sldId id="266" r:id="rId15"/>
   </p:sldIdLst>
   <p:sldSz cx="13004800" cy="7315200"/>
   <p:notesSz cx="6858000" cy="9144000"/>
@@ -2480,7 +2484,7 @@
           <a:p>
             <a:fld id="{884FC701-4782-4D62-BB6F-AD50246EF545}" type="datetimeFigureOut">
               <a:rPr lang="en-US" smtClean="0"/>
-              <a:t>2/10/2021</a:t>
+              <a:t>2/11/2021</a:t>
             </a:fld>
             <a:endParaRPr lang="en-US"/>
           </a:p>
@@ -2761,7 +2765,7 @@
           <a:p>
             <a:fld id="{884FC701-4782-4D62-BB6F-AD50246EF545}" type="datetimeFigureOut">
               <a:rPr lang="en-US" smtClean="0"/>
-              <a:t>2/10/2021</a:t>
+              <a:t>2/11/2021</a:t>
             </a:fld>
             <a:endParaRPr lang="en-US"/>
           </a:p>
@@ -2953,7 +2957,7 @@
           <a:p>
             <a:fld id="{884FC701-4782-4D62-BB6F-AD50246EF545}" type="datetimeFigureOut">
               <a:rPr lang="en-US" smtClean="0"/>
-              <a:t>2/10/2021</a:t>
+              <a:t>2/11/2021</a:t>
             </a:fld>
             <a:endParaRPr lang="en-US"/>
           </a:p>
@@ -3214,7 +3218,7 @@
           <a:p>
             <a:fld id="{884FC701-4782-4D62-BB6F-AD50246EF545}" type="datetimeFigureOut">
               <a:rPr lang="en-US" smtClean="0"/>
-              <a:t>2/10/2021</a:t>
+              <a:t>2/11/2021</a:t>
             </a:fld>
             <a:endParaRPr lang="en-US"/>
           </a:p>
@@ -3640,7 +3644,7 @@
           <a:p>
             <a:fld id="{884FC701-4782-4D62-BB6F-AD50246EF545}" type="datetimeFigureOut">
               <a:rPr lang="en-US" smtClean="0"/>
-              <a:t>2/10/2021</a:t>
+              <a:t>2/11/2021</a:t>
             </a:fld>
             <a:endParaRPr lang="en-US"/>
           </a:p>
@@ -4186,7 +4190,7 @@
           <a:p>
             <a:fld id="{884FC701-4782-4D62-BB6F-AD50246EF545}" type="datetimeFigureOut">
               <a:rPr lang="en-US" smtClean="0"/>
-              <a:t>2/10/2021</a:t>
+              <a:t>2/11/2021</a:t>
             </a:fld>
             <a:endParaRPr lang="en-US"/>
           </a:p>
@@ -5017,7 +5021,7 @@
           <a:p>
             <a:fld id="{884FC701-4782-4D62-BB6F-AD50246EF545}" type="datetimeFigureOut">
               <a:rPr lang="en-US" smtClean="0"/>
-              <a:t>2/10/2021</a:t>
+              <a:t>2/11/2021</a:t>
             </a:fld>
             <a:endParaRPr lang="en-US"/>
           </a:p>
@@ -5187,7 +5191,7 @@
           <a:p>
             <a:fld id="{884FC701-4782-4D62-BB6F-AD50246EF545}" type="datetimeFigureOut">
               <a:rPr lang="en-US" smtClean="0"/>
-              <a:t>2/10/2021</a:t>
+              <a:t>2/11/2021</a:t>
             </a:fld>
             <a:endParaRPr lang="en-US"/>
           </a:p>
@@ -5367,7 +5371,7 @@
           <a:p>
             <a:fld id="{884FC701-4782-4D62-BB6F-AD50246EF545}" type="datetimeFigureOut">
               <a:rPr lang="en-US" smtClean="0"/>
-              <a:t>2/10/2021</a:t>
+              <a:t>2/11/2021</a:t>
             </a:fld>
             <a:endParaRPr lang="en-US"/>
           </a:p>
@@ -5537,7 +5541,7 @@
           <a:p>
             <a:fld id="{884FC701-4782-4D62-BB6F-AD50246EF545}" type="datetimeFigureOut">
               <a:rPr lang="en-US" smtClean="0"/>
-              <a:t>2/10/2021</a:t>
+              <a:t>2/11/2021</a:t>
             </a:fld>
             <a:endParaRPr lang="en-US"/>
           </a:p>
@@ -5794,7 +5798,7 @@
           <a:p>
             <a:fld id="{884FC701-4782-4D62-BB6F-AD50246EF545}" type="datetimeFigureOut">
               <a:rPr lang="en-US" smtClean="0"/>
-              <a:t>2/10/2021</a:t>
+              <a:t>2/11/2021</a:t>
             </a:fld>
             <a:endParaRPr lang="en-US"/>
           </a:p>
@@ -6026,7 +6030,7 @@
           <a:p>
             <a:fld id="{884FC701-4782-4D62-BB6F-AD50246EF545}" type="datetimeFigureOut">
               <a:rPr lang="en-US" smtClean="0"/>
-              <a:t>2/10/2021</a:t>
+              <a:t>2/11/2021</a:t>
             </a:fld>
             <a:endParaRPr lang="en-US"/>
           </a:p>
@@ -6419,7 +6423,7 @@
           <a:p>
             <a:fld id="{884FC701-4782-4D62-BB6F-AD50246EF545}" type="datetimeFigureOut">
               <a:rPr lang="en-US" smtClean="0"/>
-              <a:t>2/10/2021</a:t>
+              <a:t>2/11/2021</a:t>
             </a:fld>
             <a:endParaRPr lang="en-US"/>
           </a:p>
@@ -6537,7 +6541,7 @@
           <a:p>
             <a:fld id="{884FC701-4782-4D62-BB6F-AD50246EF545}" type="datetimeFigureOut">
               <a:rPr lang="en-US" smtClean="0"/>
-              <a:t>2/10/2021</a:t>
+              <a:t>2/11/2021</a:t>
             </a:fld>
             <a:endParaRPr lang="en-US"/>
           </a:p>
@@ -6632,7 +6636,7 @@
           <a:p>
             <a:fld id="{884FC701-4782-4D62-BB6F-AD50246EF545}" type="datetimeFigureOut">
               <a:rPr lang="en-US" smtClean="0"/>
-              <a:t>2/10/2021</a:t>
+              <a:t>2/11/2021</a:t>
             </a:fld>
             <a:endParaRPr lang="en-US"/>
           </a:p>
@@ -6905,7 +6909,7 @@
           <a:p>
             <a:fld id="{884FC701-4782-4D62-BB6F-AD50246EF545}" type="datetimeFigureOut">
               <a:rPr lang="en-US" smtClean="0"/>
-              <a:t>2/10/2021</a:t>
+              <a:t>2/11/2021</a:t>
             </a:fld>
             <a:endParaRPr lang="en-US"/>
           </a:p>
@@ -7186,7 +7190,7 @@
           <a:p>
             <a:fld id="{884FC701-4782-4D62-BB6F-AD50246EF545}" type="datetimeFigureOut">
               <a:rPr lang="en-US" smtClean="0"/>
-              <a:t>2/10/2021</a:t>
+              <a:t>2/11/2021</a:t>
             </a:fld>
             <a:endParaRPr lang="en-US"/>
           </a:p>
@@ -7426,7 +7430,7 @@
           <a:p>
             <a:fld id="{884FC701-4782-4D62-BB6F-AD50246EF545}" type="datetimeFigureOut">
               <a:rPr lang="en-US" smtClean="0"/>
-              <a:t>2/10/2021</a:t>
+              <a:t>2/11/2021</a:t>
             </a:fld>
             <a:endParaRPr lang="en-US"/>
           </a:p>
@@ -8142,11 +8146,6 @@
               </a:rPr>
               <a:t>://github.com/basit376/Analysis-Of-Algorthem-Assigment.git</a:t>
             </a:r>
-            <a:endParaRPr lang="en-US" sz="2800" b="1" dirty="0">
-              <a:solidFill>
-                <a:schemeClr val="bg1"/>
-              </a:solidFill>
-            </a:endParaRPr>
           </a:p>
         </p:txBody>
       </p:sp>
@@ -8209,6 +8208,1409 @@
 </file>
 
 <file path=ppt/slides/slide10.xml><?xml version="1.0" encoding="utf-8"?>
+<p:sld xmlns:a="http://schemas.openxmlformats.org/drawingml/2006/main" xmlns:r="http://schemas.openxmlformats.org/officeDocument/2006/relationships" xmlns:p="http://schemas.openxmlformats.org/presentationml/2006/main">
+  <p:cSld>
+    <p:spTree>
+      <p:nvGrpSpPr>
+        <p:cNvPr id="1" name=""/>
+        <p:cNvGrpSpPr/>
+        <p:nvPr/>
+      </p:nvGrpSpPr>
+      <p:grpSpPr>
+        <a:xfrm>
+          <a:off x="0" y="0"/>
+          <a:ext cx="0" cy="0"/>
+          <a:chOff x="0" y="0"/>
+          <a:chExt cx="0" cy="0"/>
+        </a:xfrm>
+      </p:grpSpPr>
+      <p:sp>
+        <p:nvSpPr>
+          <p:cNvPr id="2" name="Title 1"/>
+          <p:cNvSpPr>
+            <a:spLocks noGrp="1"/>
+          </p:cNvSpPr>
+          <p:nvPr>
+            <p:ph type="title"/>
+          </p:nvPr>
+        </p:nvSpPr>
+        <p:spPr>
+          <a:xfrm>
+            <a:off x="533862" y="140085"/>
+            <a:ext cx="11216640" cy="788169"/>
+          </a:xfrm>
+        </p:spPr>
+        <p:txBody>
+          <a:bodyPr>
+            <a:normAutofit/>
+          </a:bodyPr>
+          <a:lstStyle/>
+          <a:p>
+            <a:r>
+              <a:rPr lang="en-US" sz="2800" b="1" dirty="0">
+                <a:solidFill>
+                  <a:srgbClr val="FF0000"/>
+                </a:solidFill>
+              </a:rPr>
+              <a:t>Divide and conquer  </a:t>
+            </a:r>
+            <a:r>
+              <a:rPr lang="en-US" sz="2800" b="1" dirty="0" smtClean="0">
+                <a:solidFill>
+                  <a:srgbClr val="FF0000"/>
+                </a:solidFill>
+              </a:rPr>
+              <a:t>Third  </a:t>
+            </a:r>
+            <a:r>
+              <a:rPr lang="en-US" sz="2800" b="1" dirty="0">
+                <a:solidFill>
+                  <a:srgbClr val="FF0000"/>
+                </a:solidFill>
+              </a:rPr>
+              <a:t>EXAMPLE Implementation IN PYTHON</a:t>
+            </a:r>
+          </a:p>
+        </p:txBody>
+      </p:sp>
+      <p:sp>
+        <p:nvSpPr>
+          <p:cNvPr id="3" name="Content Placeholder 2"/>
+          <p:cNvSpPr>
+            <a:spLocks noGrp="1"/>
+          </p:cNvSpPr>
+          <p:nvPr>
+            <p:ph idx="1"/>
+          </p:nvPr>
+        </p:nvSpPr>
+        <p:spPr>
+          <a:xfrm>
+            <a:off x="249381" y="928254"/>
+            <a:ext cx="12566073" cy="6143721"/>
+          </a:xfrm>
+        </p:spPr>
+        <p:txBody>
+          <a:bodyPr>
+            <a:noAutofit/>
+          </a:bodyPr>
+          <a:lstStyle/>
+          <a:p>
+            <a:pPr marL="0" indent="0">
+              <a:buNone/>
+            </a:pPr>
+            <a:r>
+              <a:rPr lang="en-US" sz="2000" b="1" dirty="0">
+                <a:solidFill>
+                  <a:schemeClr val="accent6">
+                    <a:lumMod val="75000"/>
+                  </a:schemeClr>
+                </a:solidFill>
+              </a:rPr>
+              <a:t># Iterative Binary Search Function method Python Implementation</a:t>
+            </a:r>
+          </a:p>
+          <a:p>
+            <a:pPr marL="0" indent="0">
+              <a:buNone/>
+            </a:pPr>
+            <a:r>
+              <a:rPr lang="en-US" sz="2000" b="1" dirty="0">
+                <a:solidFill>
+                  <a:schemeClr val="accent6">
+                    <a:lumMod val="75000"/>
+                  </a:schemeClr>
+                </a:solidFill>
+              </a:rPr>
+              <a:t># It returns index of n in given list1 if present,</a:t>
+            </a:r>
+          </a:p>
+          <a:p>
+            <a:pPr marL="0" indent="0">
+              <a:buNone/>
+            </a:pPr>
+            <a:r>
+              <a:rPr lang="en-US" sz="2000" b="1" dirty="0">
+                <a:solidFill>
+                  <a:schemeClr val="accent6">
+                    <a:lumMod val="75000"/>
+                  </a:schemeClr>
+                </a:solidFill>
+              </a:rPr>
+              <a:t># else returns -1</a:t>
+            </a:r>
+          </a:p>
+          <a:p>
+            <a:pPr marL="0" indent="0">
+              <a:buNone/>
+            </a:pPr>
+            <a:r>
+              <a:rPr lang="en-US" sz="2000" b="1" dirty="0" err="1">
+                <a:solidFill>
+                  <a:schemeClr val="accent6">
+                    <a:lumMod val="75000"/>
+                  </a:schemeClr>
+                </a:solidFill>
+              </a:rPr>
+              <a:t>def</a:t>
+            </a:r>
+            <a:r>
+              <a:rPr lang="en-US" sz="2000" b="1" dirty="0">
+                <a:solidFill>
+                  <a:schemeClr val="accent6">
+                    <a:lumMod val="75000"/>
+                  </a:schemeClr>
+                </a:solidFill>
+              </a:rPr>
+              <a:t> </a:t>
+            </a:r>
+            <a:r>
+              <a:rPr lang="en-US" sz="2000" b="1" dirty="0" err="1">
+                <a:solidFill>
+                  <a:schemeClr val="accent6">
+                    <a:lumMod val="75000"/>
+                  </a:schemeClr>
+                </a:solidFill>
+              </a:rPr>
+              <a:t>binary_search</a:t>
+            </a:r>
+            <a:r>
+              <a:rPr lang="en-US" sz="2000" b="1" dirty="0">
+                <a:solidFill>
+                  <a:schemeClr val="accent6">
+                    <a:lumMod val="75000"/>
+                  </a:schemeClr>
+                </a:solidFill>
+              </a:rPr>
+              <a:t>(list1, n):</a:t>
+            </a:r>
+          </a:p>
+          <a:p>
+            <a:pPr marL="0" indent="0">
+              <a:buNone/>
+            </a:pPr>
+            <a:r>
+              <a:rPr lang="en-US" sz="2000" b="1" dirty="0">
+                <a:solidFill>
+                  <a:schemeClr val="accent6">
+                    <a:lumMod val="75000"/>
+                  </a:schemeClr>
+                </a:solidFill>
+              </a:rPr>
+              <a:t>    low = 0</a:t>
+            </a:r>
+          </a:p>
+          <a:p>
+            <a:pPr marL="0" indent="0">
+              <a:buNone/>
+            </a:pPr>
+            <a:r>
+              <a:rPr lang="en-US" sz="2000" b="1" dirty="0">
+                <a:solidFill>
+                  <a:schemeClr val="accent6">
+                    <a:lumMod val="75000"/>
+                  </a:schemeClr>
+                </a:solidFill>
+              </a:rPr>
+              <a:t>    high = </a:t>
+            </a:r>
+            <a:r>
+              <a:rPr lang="en-US" sz="2000" b="1" dirty="0" err="1">
+                <a:solidFill>
+                  <a:schemeClr val="accent6">
+                    <a:lumMod val="75000"/>
+                  </a:schemeClr>
+                </a:solidFill>
+              </a:rPr>
+              <a:t>len</a:t>
+            </a:r>
+            <a:r>
+              <a:rPr lang="en-US" sz="2000" b="1" dirty="0">
+                <a:solidFill>
+                  <a:schemeClr val="accent6">
+                    <a:lumMod val="75000"/>
+                  </a:schemeClr>
+                </a:solidFill>
+              </a:rPr>
+              <a:t>(list1) - 1</a:t>
+            </a:r>
+          </a:p>
+          <a:p>
+            <a:pPr marL="0" indent="0">
+              <a:buNone/>
+            </a:pPr>
+            <a:r>
+              <a:rPr lang="en-US" sz="2000" b="1" dirty="0">
+                <a:solidFill>
+                  <a:schemeClr val="accent6">
+                    <a:lumMod val="75000"/>
+                  </a:schemeClr>
+                </a:solidFill>
+              </a:rPr>
+              <a:t>    mid = 0</a:t>
+            </a:r>
+          </a:p>
+          <a:p>
+            <a:pPr marL="0" indent="0">
+              <a:buNone/>
+            </a:pPr>
+            <a:endParaRPr lang="en-US" sz="2000" b="1" dirty="0">
+              <a:solidFill>
+                <a:schemeClr val="accent6">
+                  <a:lumMod val="75000"/>
+                </a:schemeClr>
+              </a:solidFill>
+            </a:endParaRPr>
+          </a:p>
+          <a:p>
+            <a:pPr marL="0" indent="0">
+              <a:buNone/>
+            </a:pPr>
+            <a:r>
+              <a:rPr lang="en-US" sz="2000" b="1" dirty="0">
+                <a:solidFill>
+                  <a:schemeClr val="accent6">
+                    <a:lumMod val="75000"/>
+                  </a:schemeClr>
+                </a:solidFill>
+              </a:rPr>
+              <a:t>    while low &lt;= high:</a:t>
+            </a:r>
+          </a:p>
+          <a:p>
+            <a:pPr marL="0" indent="0">
+              <a:buNone/>
+            </a:pPr>
+            <a:r>
+              <a:rPr lang="en-US" sz="2000" b="1" dirty="0">
+                <a:solidFill>
+                  <a:schemeClr val="accent6">
+                    <a:lumMod val="75000"/>
+                  </a:schemeClr>
+                </a:solidFill>
+              </a:rPr>
+              <a:t>        # for get integer result</a:t>
+            </a:r>
+          </a:p>
+          <a:p>
+            <a:pPr marL="0" indent="0">
+              <a:buNone/>
+            </a:pPr>
+            <a:r>
+              <a:rPr lang="en-US" sz="2000" b="1" dirty="0">
+                <a:solidFill>
+                  <a:schemeClr val="accent6">
+                    <a:lumMod val="75000"/>
+                  </a:schemeClr>
+                </a:solidFill>
+              </a:rPr>
+              <a:t>        mid = (high + low) // 2</a:t>
+            </a:r>
+          </a:p>
+          <a:p>
+            <a:pPr marL="0" indent="0">
+              <a:buNone/>
+            </a:pPr>
+            <a:endParaRPr lang="en-US" sz="2000" b="1" dirty="0">
+              <a:solidFill>
+                <a:schemeClr val="accent6">
+                  <a:lumMod val="75000"/>
+                </a:schemeClr>
+              </a:solidFill>
+            </a:endParaRPr>
+          </a:p>
+          <a:p>
+            <a:pPr marL="0" indent="0">
+              <a:buNone/>
+            </a:pPr>
+            <a:r>
+              <a:rPr lang="en-US" sz="2000" b="1" dirty="0">
+                <a:solidFill>
+                  <a:schemeClr val="accent6">
+                    <a:lumMod val="75000"/>
+                  </a:schemeClr>
+                </a:solidFill>
+              </a:rPr>
+              <a:t>        # Check if n is present at mid</a:t>
+            </a:r>
+          </a:p>
+          <a:p>
+            <a:pPr marL="0" indent="0">
+              <a:buNone/>
+            </a:pPr>
+            <a:r>
+              <a:rPr lang="en-US" sz="2000" b="1" dirty="0">
+                <a:solidFill>
+                  <a:schemeClr val="accent6">
+                    <a:lumMod val="75000"/>
+                  </a:schemeClr>
+                </a:solidFill>
+              </a:rPr>
+              <a:t>        if list1[mid] &lt; n:</a:t>
+            </a:r>
+          </a:p>
+          <a:p>
+            <a:pPr marL="0" indent="0">
+              <a:buNone/>
+            </a:pPr>
+            <a:r>
+              <a:rPr lang="en-US" sz="2000" b="1" dirty="0">
+                <a:solidFill>
+                  <a:schemeClr val="accent6">
+                    <a:lumMod val="75000"/>
+                  </a:schemeClr>
+                </a:solidFill>
+              </a:rPr>
+              <a:t>            low = mid + 1</a:t>
+            </a:r>
+          </a:p>
+          <a:p>
+            <a:pPr marL="0" indent="0">
+              <a:buNone/>
+            </a:pPr>
+            <a:endParaRPr lang="en-US" sz="2000" dirty="0"/>
+          </a:p>
+        </p:txBody>
+      </p:sp>
+    </p:spTree>
+    <p:extLst>
+      <p:ext uri="{BB962C8B-B14F-4D97-AF65-F5344CB8AC3E}">
+        <p14:creationId xmlns:p14="http://schemas.microsoft.com/office/powerpoint/2010/main" val="3621274509"/>
+      </p:ext>
+    </p:extLst>
+  </p:cSld>
+  <p:clrMapOvr>
+    <a:masterClrMapping/>
+  </p:clrMapOvr>
+</p:sld>
+</file>
+
+<file path=ppt/slides/slide11.xml><?xml version="1.0" encoding="utf-8"?>
+<p:sld xmlns:a="http://schemas.openxmlformats.org/drawingml/2006/main" xmlns:r="http://schemas.openxmlformats.org/officeDocument/2006/relationships" xmlns:p="http://schemas.openxmlformats.org/presentationml/2006/main">
+  <p:cSld>
+    <p:spTree>
+      <p:nvGrpSpPr>
+        <p:cNvPr id="1" name=""/>
+        <p:cNvGrpSpPr/>
+        <p:nvPr/>
+      </p:nvGrpSpPr>
+      <p:grpSpPr>
+        <a:xfrm>
+          <a:off x="0" y="0"/>
+          <a:ext cx="0" cy="0"/>
+          <a:chOff x="0" y="0"/>
+          <a:chExt cx="0" cy="0"/>
+        </a:xfrm>
+      </p:grpSpPr>
+      <p:sp>
+        <p:nvSpPr>
+          <p:cNvPr id="3" name="Content Placeholder 2"/>
+          <p:cNvSpPr>
+            <a:spLocks noGrp="1"/>
+          </p:cNvSpPr>
+          <p:nvPr>
+            <p:ph idx="1"/>
+          </p:nvPr>
+        </p:nvSpPr>
+        <p:spPr>
+          <a:xfrm>
+            <a:off x="124691" y="104678"/>
+            <a:ext cx="12593782" cy="6974995"/>
+          </a:xfrm>
+        </p:spPr>
+        <p:txBody>
+          <a:bodyPr>
+            <a:noAutofit/>
+          </a:bodyPr>
+          <a:lstStyle/>
+          <a:p>
+            <a:pPr marL="0" indent="0">
+              <a:buNone/>
+            </a:pPr>
+            <a:r>
+              <a:rPr lang="en-US" sz="1200" dirty="0"/>
+              <a:t> </a:t>
+            </a:r>
+            <a:r>
+              <a:rPr lang="en-US" sz="1400" b="1" dirty="0">
+                <a:solidFill>
+                  <a:schemeClr val="accent6">
+                    <a:lumMod val="75000"/>
+                  </a:schemeClr>
+                </a:solidFill>
+              </a:rPr>
+              <a:t># If n is greater, compare to the right of mid</a:t>
+            </a:r>
+          </a:p>
+          <a:p>
+            <a:pPr marL="0" indent="0">
+              <a:buNone/>
+            </a:pPr>
+            <a:r>
+              <a:rPr lang="en-US" sz="1400" b="1" dirty="0">
+                <a:solidFill>
+                  <a:schemeClr val="accent6">
+                    <a:lumMod val="75000"/>
+                  </a:schemeClr>
+                </a:solidFill>
+              </a:rPr>
+              <a:t>        </a:t>
+            </a:r>
+            <a:r>
+              <a:rPr lang="en-US" sz="1400" b="1" dirty="0" err="1">
+                <a:solidFill>
+                  <a:schemeClr val="accent6">
+                    <a:lumMod val="75000"/>
+                  </a:schemeClr>
+                </a:solidFill>
+              </a:rPr>
+              <a:t>elif</a:t>
+            </a:r>
+            <a:r>
+              <a:rPr lang="en-US" sz="1400" b="1" dirty="0">
+                <a:solidFill>
+                  <a:schemeClr val="accent6">
+                    <a:lumMod val="75000"/>
+                  </a:schemeClr>
+                </a:solidFill>
+              </a:rPr>
+              <a:t> list1[mid] &gt; n:</a:t>
+            </a:r>
+          </a:p>
+          <a:p>
+            <a:pPr marL="0" indent="0">
+              <a:buNone/>
+            </a:pPr>
+            <a:r>
+              <a:rPr lang="en-US" sz="1400" b="1" dirty="0">
+                <a:solidFill>
+                  <a:schemeClr val="accent6">
+                    <a:lumMod val="75000"/>
+                  </a:schemeClr>
+                </a:solidFill>
+              </a:rPr>
+              <a:t>            high = mid - </a:t>
+            </a:r>
+            <a:r>
+              <a:rPr lang="en-US" sz="1400" b="1" dirty="0" smtClean="0">
+                <a:solidFill>
+                  <a:schemeClr val="accent6">
+                    <a:lumMod val="75000"/>
+                  </a:schemeClr>
+                </a:solidFill>
+              </a:rPr>
+              <a:t>1</a:t>
+            </a:r>
+            <a:endParaRPr lang="en-US" sz="1400" b="1" dirty="0">
+              <a:solidFill>
+                <a:schemeClr val="accent6">
+                  <a:lumMod val="75000"/>
+                </a:schemeClr>
+              </a:solidFill>
+            </a:endParaRPr>
+          </a:p>
+          <a:p>
+            <a:pPr marL="0" indent="0">
+              <a:buNone/>
+            </a:pPr>
+            <a:r>
+              <a:rPr lang="en-US" sz="1400" b="1" dirty="0">
+                <a:solidFill>
+                  <a:schemeClr val="accent6">
+                    <a:lumMod val="75000"/>
+                  </a:schemeClr>
+                </a:solidFill>
+              </a:rPr>
+              <a:t>            # If n is smaller, compared to the left of mid</a:t>
+            </a:r>
+          </a:p>
+          <a:p>
+            <a:pPr marL="0" indent="0">
+              <a:buNone/>
+            </a:pPr>
+            <a:r>
+              <a:rPr lang="en-US" sz="1400" b="1" dirty="0">
+                <a:solidFill>
+                  <a:schemeClr val="accent6">
+                    <a:lumMod val="75000"/>
+                  </a:schemeClr>
+                </a:solidFill>
+              </a:rPr>
+              <a:t>        else:</a:t>
+            </a:r>
+          </a:p>
+          <a:p>
+            <a:pPr marL="0" indent="0">
+              <a:buNone/>
+            </a:pPr>
+            <a:r>
+              <a:rPr lang="en-US" sz="1400" b="1" dirty="0">
+                <a:solidFill>
+                  <a:schemeClr val="accent6">
+                    <a:lumMod val="75000"/>
+                  </a:schemeClr>
+                </a:solidFill>
+              </a:rPr>
+              <a:t>            return mid</a:t>
+            </a:r>
+          </a:p>
+          <a:p>
+            <a:pPr marL="0" indent="0">
+              <a:buNone/>
+            </a:pPr>
+            <a:endParaRPr lang="en-US" sz="1400" b="1" dirty="0">
+              <a:solidFill>
+                <a:schemeClr val="accent6">
+                  <a:lumMod val="75000"/>
+                </a:schemeClr>
+              </a:solidFill>
+            </a:endParaRPr>
+          </a:p>
+          <a:p>
+            <a:pPr marL="0" indent="0">
+              <a:buNone/>
+            </a:pPr>
+            <a:r>
+              <a:rPr lang="en-US" sz="1400" b="1" dirty="0">
+                <a:solidFill>
+                  <a:schemeClr val="accent6">
+                    <a:lumMod val="75000"/>
+                  </a:schemeClr>
+                </a:solidFill>
+              </a:rPr>
+              <a:t>            # element was not present in the list, return -1</a:t>
+            </a:r>
+          </a:p>
+          <a:p>
+            <a:pPr marL="0" indent="0">
+              <a:buNone/>
+            </a:pPr>
+            <a:r>
+              <a:rPr lang="en-US" sz="1400" b="1" dirty="0">
+                <a:solidFill>
+                  <a:schemeClr val="accent6">
+                    <a:lumMod val="75000"/>
+                  </a:schemeClr>
+                </a:solidFill>
+              </a:rPr>
+              <a:t>    return -1</a:t>
+            </a:r>
+          </a:p>
+          <a:p>
+            <a:pPr marL="0" indent="0">
+              <a:buNone/>
+            </a:pPr>
+            <a:endParaRPr lang="en-US" sz="1400" b="1" dirty="0">
+              <a:solidFill>
+                <a:schemeClr val="accent6">
+                  <a:lumMod val="75000"/>
+                </a:schemeClr>
+              </a:solidFill>
+            </a:endParaRPr>
+          </a:p>
+          <a:p>
+            <a:pPr marL="0" indent="0">
+              <a:buNone/>
+            </a:pPr>
+            <a:r>
+              <a:rPr lang="en-US" sz="1400" b="1" dirty="0">
+                <a:solidFill>
+                  <a:schemeClr val="accent6">
+                    <a:lumMod val="75000"/>
+                  </a:schemeClr>
+                </a:solidFill>
+              </a:rPr>
+              <a:t># Initial list1</a:t>
+            </a:r>
+          </a:p>
+          <a:p>
+            <a:pPr marL="0" indent="0">
+              <a:buNone/>
+            </a:pPr>
+            <a:r>
+              <a:rPr lang="en-US" sz="1400" b="1" dirty="0">
+                <a:solidFill>
+                  <a:schemeClr val="accent6">
+                    <a:lumMod val="75000"/>
+                  </a:schemeClr>
+                </a:solidFill>
+              </a:rPr>
+              <a:t>list1 = [12, 24, 32, 39, 45, 50, 54]</a:t>
+            </a:r>
+          </a:p>
+          <a:p>
+            <a:pPr marL="0" indent="0">
+              <a:buNone/>
+            </a:pPr>
+            <a:r>
+              <a:rPr lang="en-US" sz="1400" b="1" dirty="0">
+                <a:solidFill>
+                  <a:schemeClr val="accent6">
+                    <a:lumMod val="75000"/>
+                  </a:schemeClr>
+                </a:solidFill>
+              </a:rPr>
+              <a:t>n = 45</a:t>
+            </a:r>
+          </a:p>
+          <a:p>
+            <a:pPr marL="0" indent="0">
+              <a:buNone/>
+            </a:pPr>
+            <a:endParaRPr lang="en-US" sz="1400" b="1" dirty="0">
+              <a:solidFill>
+                <a:schemeClr val="accent6">
+                  <a:lumMod val="75000"/>
+                </a:schemeClr>
+              </a:solidFill>
+            </a:endParaRPr>
+          </a:p>
+          <a:p>
+            <a:pPr marL="0" indent="0">
+              <a:buNone/>
+            </a:pPr>
+            <a:r>
+              <a:rPr lang="en-US" sz="1400" b="1" dirty="0">
+                <a:solidFill>
+                  <a:schemeClr val="accent6">
+                    <a:lumMod val="75000"/>
+                  </a:schemeClr>
+                </a:solidFill>
+              </a:rPr>
+              <a:t># Function call</a:t>
+            </a:r>
+          </a:p>
+          <a:p>
+            <a:pPr marL="0" indent="0">
+              <a:buNone/>
+            </a:pPr>
+            <a:r>
+              <a:rPr lang="en-US" sz="1400" b="1" dirty="0">
+                <a:solidFill>
+                  <a:schemeClr val="accent6">
+                    <a:lumMod val="75000"/>
+                  </a:schemeClr>
+                </a:solidFill>
+              </a:rPr>
+              <a:t>result = </a:t>
+            </a:r>
+            <a:r>
+              <a:rPr lang="en-US" sz="1400" b="1" dirty="0" err="1">
+                <a:solidFill>
+                  <a:schemeClr val="accent6">
+                    <a:lumMod val="75000"/>
+                  </a:schemeClr>
+                </a:solidFill>
+              </a:rPr>
+              <a:t>binary_search</a:t>
+            </a:r>
+            <a:r>
+              <a:rPr lang="en-US" sz="1400" b="1" dirty="0">
+                <a:solidFill>
+                  <a:schemeClr val="accent6">
+                    <a:lumMod val="75000"/>
+                  </a:schemeClr>
+                </a:solidFill>
+              </a:rPr>
+              <a:t>(list1, n)</a:t>
+            </a:r>
+          </a:p>
+          <a:p>
+            <a:pPr marL="0" indent="0">
+              <a:buNone/>
+            </a:pPr>
+            <a:endParaRPr lang="en-US" sz="1400" b="1" dirty="0">
+              <a:solidFill>
+                <a:schemeClr val="accent6">
+                  <a:lumMod val="75000"/>
+                </a:schemeClr>
+              </a:solidFill>
+            </a:endParaRPr>
+          </a:p>
+          <a:p>
+            <a:pPr marL="0" indent="0">
+              <a:buNone/>
+            </a:pPr>
+            <a:r>
+              <a:rPr lang="en-US" sz="1400" b="1" dirty="0">
+                <a:solidFill>
+                  <a:schemeClr val="accent6">
+                    <a:lumMod val="75000"/>
+                  </a:schemeClr>
+                </a:solidFill>
+              </a:rPr>
+              <a:t>if result != -1:</a:t>
+            </a:r>
+          </a:p>
+          <a:p>
+            <a:pPr marL="0" indent="0">
+              <a:buNone/>
+            </a:pPr>
+            <a:r>
+              <a:rPr lang="en-US" sz="1400" b="1" dirty="0">
+                <a:solidFill>
+                  <a:schemeClr val="accent6">
+                    <a:lumMod val="75000"/>
+                  </a:schemeClr>
+                </a:solidFill>
+              </a:rPr>
+              <a:t>    print("Element is present at index", </a:t>
+            </a:r>
+            <a:r>
+              <a:rPr lang="en-US" sz="1400" b="1" dirty="0" err="1">
+                <a:solidFill>
+                  <a:schemeClr val="accent6">
+                    <a:lumMod val="75000"/>
+                  </a:schemeClr>
+                </a:solidFill>
+              </a:rPr>
+              <a:t>str</a:t>
+            </a:r>
+            <a:r>
+              <a:rPr lang="en-US" sz="1400" b="1" dirty="0">
+                <a:solidFill>
+                  <a:schemeClr val="accent6">
+                    <a:lumMod val="75000"/>
+                  </a:schemeClr>
+                </a:solidFill>
+              </a:rPr>
+              <a:t>(result))</a:t>
+            </a:r>
+          </a:p>
+          <a:p>
+            <a:pPr marL="0" indent="0">
+              <a:buNone/>
+            </a:pPr>
+            <a:r>
+              <a:rPr lang="en-US" sz="1400" b="1" dirty="0">
+                <a:solidFill>
+                  <a:schemeClr val="accent6">
+                    <a:lumMod val="75000"/>
+                  </a:schemeClr>
+                </a:solidFill>
+              </a:rPr>
+              <a:t>else:</a:t>
+            </a:r>
+          </a:p>
+          <a:p>
+            <a:pPr marL="0" indent="0">
+              <a:buNone/>
+            </a:pPr>
+            <a:r>
+              <a:rPr lang="en-US" sz="1400" b="1" dirty="0">
+                <a:solidFill>
+                  <a:schemeClr val="accent6">
+                    <a:lumMod val="75000"/>
+                  </a:schemeClr>
+                </a:solidFill>
+              </a:rPr>
+              <a:t>    print("Element is not present in list1")</a:t>
+            </a:r>
+          </a:p>
+        </p:txBody>
+      </p:sp>
+    </p:spTree>
+    <p:extLst>
+      <p:ext uri="{BB962C8B-B14F-4D97-AF65-F5344CB8AC3E}">
+        <p14:creationId xmlns:p14="http://schemas.microsoft.com/office/powerpoint/2010/main" val="4190952185"/>
+      </p:ext>
+    </p:extLst>
+  </p:cSld>
+  <p:clrMapOvr>
+    <a:masterClrMapping/>
+  </p:clrMapOvr>
+</p:sld>
+</file>
+
+<file path=ppt/slides/slide12.xml><?xml version="1.0" encoding="utf-8"?>
+<p:sld xmlns:a="http://schemas.openxmlformats.org/drawingml/2006/main" xmlns:r="http://schemas.openxmlformats.org/officeDocument/2006/relationships" xmlns:p="http://schemas.openxmlformats.org/presentationml/2006/main">
+  <p:cSld>
+    <p:spTree>
+      <p:nvGrpSpPr>
+        <p:cNvPr id="1" name=""/>
+        <p:cNvGrpSpPr/>
+        <p:nvPr/>
+      </p:nvGrpSpPr>
+      <p:grpSpPr>
+        <a:xfrm>
+          <a:off x="0" y="0"/>
+          <a:ext cx="0" cy="0"/>
+          <a:chOff x="0" y="0"/>
+          <a:chExt cx="0" cy="0"/>
+        </a:xfrm>
+      </p:grpSpPr>
+      <p:sp>
+        <p:nvSpPr>
+          <p:cNvPr id="2" name="Title 1"/>
+          <p:cNvSpPr>
+            <a:spLocks noGrp="1"/>
+          </p:cNvSpPr>
+          <p:nvPr>
+            <p:ph type="title"/>
+          </p:nvPr>
+        </p:nvSpPr>
+        <p:spPr>
+          <a:xfrm>
+            <a:off x="318655" y="193965"/>
+            <a:ext cx="11792065" cy="1011380"/>
+          </a:xfrm>
+        </p:spPr>
+        <p:txBody>
+          <a:bodyPr>
+            <a:normAutofit fontScale="90000"/>
+          </a:bodyPr>
+          <a:lstStyle/>
+          <a:p>
+            <a:r>
+              <a:rPr lang="en-US" b="1" dirty="0" smtClean="0">
+                <a:solidFill>
+                  <a:schemeClr val="accent3">
+                    <a:lumMod val="75000"/>
+                  </a:schemeClr>
+                </a:solidFill>
+              </a:rPr>
+              <a:t>ALGORITHM FOR TOWER OF HANOI </a:t>
+            </a:r>
+            <a:endParaRPr lang="en-US" b="1" dirty="0">
+              <a:solidFill>
+                <a:schemeClr val="accent3">
+                  <a:lumMod val="75000"/>
+                </a:schemeClr>
+              </a:solidFill>
+            </a:endParaRPr>
+          </a:p>
+        </p:txBody>
+      </p:sp>
+      <p:sp>
+        <p:nvSpPr>
+          <p:cNvPr id="3" name="Content Placeholder 2"/>
+          <p:cNvSpPr>
+            <a:spLocks noGrp="1"/>
+          </p:cNvSpPr>
+          <p:nvPr>
+            <p:ph idx="1"/>
+          </p:nvPr>
+        </p:nvSpPr>
+        <p:spPr>
+          <a:xfrm>
+            <a:off x="96982" y="1379297"/>
+            <a:ext cx="12907817" cy="5935903"/>
+          </a:xfrm>
+        </p:spPr>
+        <p:txBody>
+          <a:bodyPr/>
+          <a:lstStyle/>
+          <a:p>
+            <a:r>
+              <a:rPr lang="en-US" dirty="0">
+                <a:solidFill>
+                  <a:schemeClr val="accent5">
+                    <a:lumMod val="75000"/>
+                  </a:schemeClr>
+                </a:solidFill>
+              </a:rPr>
+              <a:t>1</a:t>
+            </a:r>
+            <a:r>
+              <a:rPr lang="en-US" b="1" dirty="0">
+                <a:solidFill>
+                  <a:schemeClr val="accent5">
+                    <a:lumMod val="75000"/>
+                  </a:schemeClr>
+                </a:solidFill>
+              </a:rPr>
+              <a:t>. Create function </a:t>
+            </a:r>
+            <a:r>
+              <a:rPr lang="en-US" b="1" dirty="0" err="1">
+                <a:solidFill>
+                  <a:schemeClr val="accent5">
+                    <a:lumMod val="75000"/>
+                  </a:schemeClr>
+                </a:solidFill>
+              </a:rPr>
+              <a:t>hanoi</a:t>
+            </a:r>
+            <a:r>
+              <a:rPr lang="en-US" b="1" dirty="0">
+                <a:solidFill>
+                  <a:schemeClr val="accent5">
+                    <a:lumMod val="75000"/>
+                  </a:schemeClr>
+                </a:solidFill>
+              </a:rPr>
+              <a:t> that takes the number of disks n and the names of the source, auxiliary and target pegs as arguments.</a:t>
+            </a:r>
+          </a:p>
+          <a:p>
+            <a:r>
+              <a:rPr lang="en-US" b="1" dirty="0">
+                <a:solidFill>
+                  <a:schemeClr val="accent5">
+                    <a:lumMod val="75000"/>
+                  </a:schemeClr>
+                </a:solidFill>
+              </a:rPr>
+              <a:t>2. The base case is when the number of disks is 1, in which case simply move the one disk from source to target and return.</a:t>
+            </a:r>
+          </a:p>
+          <a:p>
+            <a:r>
+              <a:rPr lang="en-US" b="1" dirty="0">
+                <a:solidFill>
+                  <a:schemeClr val="accent5">
+                    <a:lumMod val="75000"/>
+                  </a:schemeClr>
+                </a:solidFill>
+              </a:rPr>
+              <a:t>3. Move n – 1 disks from source peg to auxiliary peg using the target peg as the auxiliary.</a:t>
+            </a:r>
+          </a:p>
+          <a:p>
+            <a:r>
+              <a:rPr lang="en-US" b="1" dirty="0">
+                <a:solidFill>
+                  <a:schemeClr val="accent5">
+                    <a:lumMod val="75000"/>
+                  </a:schemeClr>
+                </a:solidFill>
+              </a:rPr>
+              <a:t>4. Move the one remaining disk on the source to the target.</a:t>
+            </a:r>
+          </a:p>
+          <a:p>
+            <a:r>
+              <a:rPr lang="en-US" b="1" dirty="0">
+                <a:solidFill>
+                  <a:schemeClr val="accent5">
+                    <a:lumMod val="75000"/>
+                  </a:schemeClr>
+                </a:solidFill>
+              </a:rPr>
+              <a:t>5. Move the n – 1 disks on the auxiliary peg to the target peg using the source peg as the auxiliary.</a:t>
+            </a:r>
+          </a:p>
+        </p:txBody>
+      </p:sp>
+    </p:spTree>
+    <p:extLst>
+      <p:ext uri="{BB962C8B-B14F-4D97-AF65-F5344CB8AC3E}">
+        <p14:creationId xmlns:p14="http://schemas.microsoft.com/office/powerpoint/2010/main" val="1030081530"/>
+      </p:ext>
+    </p:extLst>
+  </p:cSld>
+  <p:clrMapOvr>
+    <a:masterClrMapping/>
+  </p:clrMapOvr>
+  <p:timing>
+    <p:tnLst>
+      <p:par>
+        <p:cTn id="1" dur="indefinite" restart="never" nodeType="tmRoot"/>
+      </p:par>
+    </p:tnLst>
+  </p:timing>
+</p:sld>
+</file>
+
+<file path=ppt/slides/slide13.xml><?xml version="1.0" encoding="utf-8"?>
+<p:sld xmlns:a="http://schemas.openxmlformats.org/drawingml/2006/main" xmlns:r="http://schemas.openxmlformats.org/officeDocument/2006/relationships" xmlns:p="http://schemas.openxmlformats.org/presentationml/2006/main">
+  <p:cSld>
+    <p:spTree>
+      <p:nvGrpSpPr>
+        <p:cNvPr id="1" name=""/>
+        <p:cNvGrpSpPr/>
+        <p:nvPr/>
+      </p:nvGrpSpPr>
+      <p:grpSpPr>
+        <a:xfrm>
+          <a:off x="0" y="0"/>
+          <a:ext cx="0" cy="0"/>
+          <a:chOff x="0" y="0"/>
+          <a:chExt cx="0" cy="0"/>
+        </a:xfrm>
+      </p:grpSpPr>
+      <p:sp>
+        <p:nvSpPr>
+          <p:cNvPr id="2" name="Title 1"/>
+          <p:cNvSpPr>
+            <a:spLocks noGrp="1"/>
+          </p:cNvSpPr>
+          <p:nvPr>
+            <p:ph type="title"/>
+          </p:nvPr>
+        </p:nvSpPr>
+        <p:spPr>
+          <a:xfrm>
+            <a:off x="623455" y="1"/>
+            <a:ext cx="11473410" cy="706582"/>
+          </a:xfrm>
+        </p:spPr>
+        <p:txBody>
+          <a:bodyPr>
+            <a:normAutofit/>
+          </a:bodyPr>
+          <a:lstStyle/>
+          <a:p>
+            <a:r>
+              <a:rPr lang="en-US" sz="4000" b="1" dirty="0" smtClean="0">
+                <a:solidFill>
+                  <a:schemeClr val="accent4">
+                    <a:lumMod val="60000"/>
+                    <a:lumOff val="40000"/>
+                  </a:schemeClr>
+                </a:solidFill>
+              </a:rPr>
+              <a:t>IMPLENTATION OF TOWER OF HANOI IN PYTHON</a:t>
+            </a:r>
+            <a:endParaRPr lang="en-US" sz="4000" b="1" dirty="0">
+              <a:solidFill>
+                <a:schemeClr val="accent4">
+                  <a:lumMod val="60000"/>
+                  <a:lumOff val="40000"/>
+                </a:schemeClr>
+              </a:solidFill>
+            </a:endParaRPr>
+          </a:p>
+        </p:txBody>
+      </p:sp>
+      <p:sp>
+        <p:nvSpPr>
+          <p:cNvPr id="3" name="Content Placeholder 2"/>
+          <p:cNvSpPr>
+            <a:spLocks noGrp="1"/>
+          </p:cNvSpPr>
+          <p:nvPr>
+            <p:ph idx="1"/>
+          </p:nvPr>
+        </p:nvSpPr>
+        <p:spPr>
+          <a:xfrm>
+            <a:off x="138547" y="885151"/>
+            <a:ext cx="13004800" cy="6192982"/>
+          </a:xfrm>
+        </p:spPr>
+        <p:txBody>
+          <a:bodyPr>
+            <a:normAutofit lnSpcReduction="10000"/>
+          </a:bodyPr>
+          <a:lstStyle/>
+          <a:p>
+            <a:pPr marL="0" indent="0">
+              <a:buNone/>
+            </a:pPr>
+            <a:r>
+              <a:rPr lang="en-US" b="1" dirty="0" err="1">
+                <a:solidFill>
+                  <a:schemeClr val="accent5">
+                    <a:lumMod val="75000"/>
+                  </a:schemeClr>
+                </a:solidFill>
+              </a:rPr>
+              <a:t>def</a:t>
+            </a:r>
+            <a:r>
+              <a:rPr lang="en-US" b="1" dirty="0">
+                <a:solidFill>
+                  <a:schemeClr val="accent5">
+                    <a:lumMod val="75000"/>
+                  </a:schemeClr>
+                </a:solidFill>
+              </a:rPr>
+              <a:t> </a:t>
+            </a:r>
+            <a:r>
+              <a:rPr lang="en-US" b="1" dirty="0" err="1">
+                <a:solidFill>
+                  <a:schemeClr val="accent5">
+                    <a:lumMod val="75000"/>
+                  </a:schemeClr>
+                </a:solidFill>
+              </a:rPr>
+              <a:t>hanoi</a:t>
+            </a:r>
+            <a:r>
+              <a:rPr lang="en-US" b="1" dirty="0">
+                <a:solidFill>
+                  <a:schemeClr val="accent5">
+                    <a:lumMod val="75000"/>
+                  </a:schemeClr>
+                </a:solidFill>
+              </a:rPr>
+              <a:t>(disks, source, auxiliary, target):</a:t>
+            </a:r>
+          </a:p>
+          <a:p>
+            <a:pPr marL="0" indent="0">
+              <a:buNone/>
+            </a:pPr>
+            <a:r>
+              <a:rPr lang="en-US" b="1" dirty="0">
+                <a:solidFill>
+                  <a:schemeClr val="accent5">
+                    <a:lumMod val="75000"/>
+                  </a:schemeClr>
+                </a:solidFill>
+              </a:rPr>
+              <a:t>    if disks == 1:</a:t>
+            </a:r>
+          </a:p>
+          <a:p>
+            <a:pPr marL="0" indent="0">
+              <a:buNone/>
+            </a:pPr>
+            <a:r>
+              <a:rPr lang="en-US" b="1" dirty="0">
+                <a:solidFill>
+                  <a:schemeClr val="accent5">
+                    <a:lumMod val="75000"/>
+                  </a:schemeClr>
+                </a:solidFill>
+              </a:rPr>
+              <a:t>        print('Move disk 1 from peg {} to peg {}.'.format(source, target))</a:t>
+            </a:r>
+          </a:p>
+          <a:p>
+            <a:pPr marL="0" indent="0">
+              <a:buNone/>
+            </a:pPr>
+            <a:r>
+              <a:rPr lang="en-US" b="1" dirty="0">
+                <a:solidFill>
+                  <a:schemeClr val="accent5">
+                    <a:lumMod val="75000"/>
+                  </a:schemeClr>
+                </a:solidFill>
+              </a:rPr>
+              <a:t>        return</a:t>
+            </a:r>
+          </a:p>
+          <a:p>
+            <a:pPr marL="0" indent="0">
+              <a:buNone/>
+            </a:pPr>
+            <a:endParaRPr lang="en-US" b="1" dirty="0">
+              <a:solidFill>
+                <a:schemeClr val="accent5">
+                  <a:lumMod val="75000"/>
+                </a:schemeClr>
+              </a:solidFill>
+            </a:endParaRPr>
+          </a:p>
+          <a:p>
+            <a:pPr marL="0" indent="0">
+              <a:buNone/>
+            </a:pPr>
+            <a:r>
+              <a:rPr lang="en-US" b="1" dirty="0">
+                <a:solidFill>
+                  <a:schemeClr val="accent5">
+                    <a:lumMod val="75000"/>
+                  </a:schemeClr>
+                </a:solidFill>
+              </a:rPr>
+              <a:t>    </a:t>
+            </a:r>
+            <a:r>
+              <a:rPr lang="en-US" b="1" dirty="0" err="1">
+                <a:solidFill>
+                  <a:schemeClr val="accent5">
+                    <a:lumMod val="75000"/>
+                  </a:schemeClr>
+                </a:solidFill>
+              </a:rPr>
+              <a:t>hanoi</a:t>
+            </a:r>
+            <a:r>
+              <a:rPr lang="en-US" b="1" dirty="0">
+                <a:solidFill>
+                  <a:schemeClr val="accent5">
+                    <a:lumMod val="75000"/>
+                  </a:schemeClr>
+                </a:solidFill>
+              </a:rPr>
+              <a:t>(disks - 1, source, target, auxiliary)</a:t>
+            </a:r>
+          </a:p>
+          <a:p>
+            <a:pPr marL="0" indent="0">
+              <a:buNone/>
+            </a:pPr>
+            <a:r>
+              <a:rPr lang="en-US" b="1" dirty="0">
+                <a:solidFill>
+                  <a:schemeClr val="accent5">
+                    <a:lumMod val="75000"/>
+                  </a:schemeClr>
+                </a:solidFill>
+              </a:rPr>
+              <a:t>    print('Move disk {} from peg {} to peg {}.'.format(disks, source, target))</a:t>
+            </a:r>
+          </a:p>
+          <a:p>
+            <a:pPr marL="0" indent="0">
+              <a:buNone/>
+            </a:pPr>
+            <a:r>
+              <a:rPr lang="en-US" b="1" dirty="0">
+                <a:solidFill>
+                  <a:schemeClr val="accent5">
+                    <a:lumMod val="75000"/>
+                  </a:schemeClr>
+                </a:solidFill>
+              </a:rPr>
+              <a:t>    </a:t>
+            </a:r>
+            <a:r>
+              <a:rPr lang="en-US" b="1" dirty="0" err="1">
+                <a:solidFill>
+                  <a:schemeClr val="accent5">
+                    <a:lumMod val="75000"/>
+                  </a:schemeClr>
+                </a:solidFill>
+              </a:rPr>
+              <a:t>hanoi</a:t>
+            </a:r>
+            <a:r>
+              <a:rPr lang="en-US" b="1" dirty="0">
+                <a:solidFill>
+                  <a:schemeClr val="accent5">
+                    <a:lumMod val="75000"/>
+                  </a:schemeClr>
+                </a:solidFill>
+              </a:rPr>
+              <a:t>(disks - 1, auxiliary, source, target)</a:t>
+            </a:r>
+          </a:p>
+          <a:p>
+            <a:pPr marL="0" indent="0">
+              <a:buNone/>
+            </a:pPr>
+            <a:endParaRPr lang="en-US" b="1" dirty="0">
+              <a:solidFill>
+                <a:schemeClr val="accent5">
+                  <a:lumMod val="75000"/>
+                </a:schemeClr>
+              </a:solidFill>
+            </a:endParaRPr>
+          </a:p>
+          <a:p>
+            <a:pPr marL="0" indent="0">
+              <a:buNone/>
+            </a:pPr>
+            <a:endParaRPr lang="en-US" b="1" dirty="0">
+              <a:solidFill>
+                <a:schemeClr val="accent5">
+                  <a:lumMod val="75000"/>
+                </a:schemeClr>
+              </a:solidFill>
+            </a:endParaRPr>
+          </a:p>
+          <a:p>
+            <a:pPr marL="0" indent="0">
+              <a:buNone/>
+            </a:pPr>
+            <a:r>
+              <a:rPr lang="en-US" b="1" dirty="0">
+                <a:solidFill>
+                  <a:schemeClr val="accent5">
+                    <a:lumMod val="75000"/>
+                  </a:schemeClr>
+                </a:solidFill>
+              </a:rPr>
+              <a:t>disks = </a:t>
+            </a:r>
+            <a:r>
+              <a:rPr lang="en-US" b="1" dirty="0" err="1">
+                <a:solidFill>
+                  <a:schemeClr val="accent5">
+                    <a:lumMod val="75000"/>
+                  </a:schemeClr>
+                </a:solidFill>
+              </a:rPr>
+              <a:t>int</a:t>
+            </a:r>
+            <a:r>
+              <a:rPr lang="en-US" b="1" dirty="0">
+                <a:solidFill>
+                  <a:schemeClr val="accent5">
+                    <a:lumMod val="75000"/>
+                  </a:schemeClr>
+                </a:solidFill>
+              </a:rPr>
+              <a:t>(input('Enter number of disks: '))</a:t>
+            </a:r>
+          </a:p>
+          <a:p>
+            <a:pPr marL="0" indent="0">
+              <a:buNone/>
+            </a:pPr>
+            <a:r>
+              <a:rPr lang="en-US" b="1" dirty="0" err="1">
+                <a:solidFill>
+                  <a:schemeClr val="accent5">
+                    <a:lumMod val="75000"/>
+                  </a:schemeClr>
+                </a:solidFill>
+              </a:rPr>
+              <a:t>hanoi</a:t>
+            </a:r>
+            <a:r>
+              <a:rPr lang="en-US" b="1" dirty="0">
+                <a:solidFill>
+                  <a:schemeClr val="accent5">
+                    <a:lumMod val="75000"/>
+                  </a:schemeClr>
+                </a:solidFill>
+              </a:rPr>
+              <a:t>(disks, 'A', 'B', 'C')</a:t>
+            </a:r>
+          </a:p>
+          <a:p>
+            <a:pPr marL="0" indent="0">
+              <a:buNone/>
+            </a:pPr>
+            <a:endParaRPr lang="en-US" b="1" dirty="0">
+              <a:solidFill>
+                <a:schemeClr val="accent5">
+                  <a:lumMod val="75000"/>
+                </a:schemeClr>
+              </a:solidFill>
+            </a:endParaRPr>
+          </a:p>
+          <a:p>
+            <a:pPr marL="0" indent="0">
+              <a:buNone/>
+            </a:pPr>
+            <a:endParaRPr lang="en-US" b="1" dirty="0">
+              <a:solidFill>
+                <a:schemeClr val="accent5">
+                  <a:lumMod val="75000"/>
+                </a:schemeClr>
+              </a:solidFill>
+            </a:endParaRPr>
+          </a:p>
+        </p:txBody>
+      </p:sp>
+    </p:spTree>
+    <p:extLst>
+      <p:ext uri="{BB962C8B-B14F-4D97-AF65-F5344CB8AC3E}">
+        <p14:creationId xmlns:p14="http://schemas.microsoft.com/office/powerpoint/2010/main" val="2694960379"/>
+      </p:ext>
+    </p:extLst>
+  </p:cSld>
+  <p:clrMapOvr>
+    <a:masterClrMapping/>
+  </p:clrMapOvr>
+  <p:timing>
+    <p:tnLst>
+      <p:par>
+        <p:cTn id="1" dur="indefinite" restart="never" nodeType="tmRoot"/>
+      </p:par>
+    </p:tnLst>
+  </p:timing>
+</p:sld>
+</file>
+
+<file path=ppt/slides/slide14.xml><?xml version="1.0" encoding="utf-8"?>
 <p:sld xmlns:a="http://schemas.openxmlformats.org/drawingml/2006/main" xmlns:r="http://schemas.openxmlformats.org/officeDocument/2006/relationships" xmlns:p="http://schemas.openxmlformats.org/presentationml/2006/main">
   <p:cSld>
     <p:spTree>
@@ -9312,8 +10714,8 @@
         </p:nvSpPr>
         <p:spPr>
           <a:xfrm>
-            <a:off x="1244600" y="1"/>
-            <a:ext cx="10515600" cy="471054"/>
+            <a:off x="637309" y="1"/>
+            <a:ext cx="11122891" cy="471054"/>
           </a:xfrm>
         </p:spPr>
         <p:txBody>
@@ -11235,33 +12637,40 @@
         </p:nvSpPr>
         <p:spPr>
           <a:xfrm>
-            <a:off x="318655" y="193965"/>
-            <a:ext cx="11792065" cy="1011380"/>
+            <a:off x="145935" y="0"/>
+            <a:ext cx="11216640" cy="815878"/>
           </a:xfrm>
         </p:spPr>
         <p:txBody>
           <a:bodyPr>
-            <a:normAutofit fontScale="90000"/>
+            <a:normAutofit/>
           </a:bodyPr>
           <a:lstStyle/>
           <a:p>
             <a:r>
-              <a:rPr lang="en-US" b="1" dirty="0" smtClean="0">
-                <a:solidFill>
-                  <a:schemeClr val="accent3">
-                    <a:lumMod val="75000"/>
-                  </a:schemeClr>
-                </a:solidFill>
-              </a:rPr>
-              <a:t>ALGORITHM FOR TOWER OF HANOI </a:t>
-            </a:r>
-            <a:endParaRPr lang="en-US" b="1" dirty="0">
-              <a:solidFill>
-                <a:schemeClr val="accent3">
-                  <a:lumMod val="75000"/>
-                </a:schemeClr>
-              </a:solidFill>
-            </a:endParaRPr>
+              <a:rPr lang="en-US" sz="2800" b="1" dirty="0">
+                <a:solidFill>
+                  <a:srgbClr val="FF0000"/>
+                </a:solidFill>
+              </a:rPr>
+              <a:t>Divide and conquer </a:t>
+            </a:r>
+            <a:r>
+              <a:rPr lang="en-US" sz="2800" b="1" dirty="0" smtClean="0">
+                <a:solidFill>
+                  <a:srgbClr val="FF0000"/>
+                </a:solidFill>
+              </a:rPr>
+              <a:t> SECOUND EXAMPLE Implementation </a:t>
+            </a:r>
+            <a:r>
+              <a:rPr lang="en-US" sz="2800" b="1" dirty="0">
+                <a:solidFill>
+                  <a:srgbClr val="FF0000"/>
+                </a:solidFill>
+              </a:rPr>
+              <a:t>IN PYTHON</a:t>
+            </a:r>
           </a:p>
         </p:txBody>
       </p:sp>
@@ -11277,101 +12686,563 @@
         </p:nvSpPr>
         <p:spPr>
           <a:xfrm>
-            <a:off x="96982" y="1379297"/>
-            <a:ext cx="12907817" cy="5935903"/>
+            <a:off x="242917" y="815878"/>
+            <a:ext cx="11986029" cy="6346922"/>
           </a:xfrm>
         </p:spPr>
         <p:txBody>
-          <a:bodyPr/>
+          <a:bodyPr>
+            <a:noAutofit/>
+          </a:bodyPr>
           <a:lstStyle/>
           <a:p>
-            <a:r>
-              <a:rPr lang="en-US" dirty="0">
+            <a:pPr marL="0" indent="0">
+              <a:buNone/>
+            </a:pPr>
+            <a:r>
+              <a:rPr lang="en-US" sz="2400" b="1" dirty="0">
                 <a:solidFill>
                   <a:schemeClr val="accent5">
                     <a:lumMod val="75000"/>
                   </a:schemeClr>
                 </a:solidFill>
               </a:rPr>
-              <a:t>1</a:t>
-            </a:r>
-            <a:r>
-              <a:rPr lang="en-US" b="1" dirty="0">
+              <a:t>Like Merge Sort, </a:t>
+            </a:r>
+            <a:r>
+              <a:rPr lang="en-US" sz="2400" b="1" dirty="0" err="1">
                 <a:solidFill>
                   <a:schemeClr val="accent5">
                     <a:lumMod val="75000"/>
                   </a:schemeClr>
                 </a:solidFill>
               </a:rPr>
-              <a:t>. Create function </a:t>
-            </a:r>
-            <a:r>
-              <a:rPr lang="en-US" b="1" dirty="0" err="1">
+              <a:t>QuickSort</a:t>
+            </a:r>
+            <a:r>
+              <a:rPr lang="en-US" sz="2400" b="1" dirty="0">
                 <a:solidFill>
                   <a:schemeClr val="accent5">
                     <a:lumMod val="75000"/>
                   </a:schemeClr>
                 </a:solidFill>
               </a:rPr>
-              <a:t>hanoi</a:t>
-            </a:r>
-            <a:r>
-              <a:rPr lang="en-US" b="1" dirty="0">
+              <a:t> is a Divide and Conquer algorithm</a:t>
+            </a:r>
+            <a:r>
+              <a:rPr lang="en-US" sz="2400" b="1" dirty="0" smtClean="0">
                 <a:solidFill>
                   <a:schemeClr val="accent5">
                     <a:lumMod val="75000"/>
                   </a:schemeClr>
                 </a:solidFill>
               </a:rPr>
-              <a:t> that takes the number of disks n and the names of the source, auxiliary and target pegs as arguments.</a:t>
-            </a:r>
-          </a:p>
-          <a:p>
-            <a:r>
-              <a:rPr lang="en-US" b="1" dirty="0">
-                <a:solidFill>
-                  <a:schemeClr val="accent5">
-                    <a:lumMod val="75000"/>
-                  </a:schemeClr>
-                </a:solidFill>
-              </a:rPr>
-              <a:t>2. The base case is when the number of disks is 1, in which case simply move the one disk from source to target and return.</a:t>
-            </a:r>
-          </a:p>
-          <a:p>
-            <a:r>
-              <a:rPr lang="en-US" b="1" dirty="0">
-                <a:solidFill>
-                  <a:schemeClr val="accent5">
-                    <a:lumMod val="75000"/>
-                  </a:schemeClr>
-                </a:solidFill>
-              </a:rPr>
-              <a:t>3. Move n – 1 disks from source peg to auxiliary peg using the target peg as the auxiliary.</a:t>
-            </a:r>
-          </a:p>
-          <a:p>
-            <a:r>
-              <a:rPr lang="en-US" b="1" dirty="0">
-                <a:solidFill>
-                  <a:schemeClr val="accent5">
-                    <a:lumMod val="75000"/>
-                  </a:schemeClr>
-                </a:solidFill>
-              </a:rPr>
-              <a:t>4. Move the one remaining disk on the source to the target.</a:t>
-            </a:r>
-          </a:p>
-          <a:p>
-            <a:r>
-              <a:rPr lang="en-US" b="1" dirty="0">
-                <a:solidFill>
-                  <a:schemeClr val="accent5">
-                    <a:lumMod val="75000"/>
-                  </a:schemeClr>
-                </a:solidFill>
-              </a:rPr>
-              <a:t>5. Move the n – 1 disks on the auxiliary peg to the target peg using the source peg as the auxiliary.</a:t>
+              <a:t>.</a:t>
+            </a:r>
+          </a:p>
+          <a:p>
+            <a:pPr marL="0" indent="0">
+              <a:buNone/>
+            </a:pPr>
+            <a:r>
+              <a:rPr lang="en-US" sz="2200" b="1" dirty="0">
+                <a:solidFill>
+                  <a:schemeClr val="accent6">
+                    <a:lumMod val="75000"/>
+                  </a:schemeClr>
+                </a:solidFill>
+              </a:rPr>
+              <a:t># THIS IS CODE FOR QUICK SORT</a:t>
+            </a:r>
+          </a:p>
+          <a:p>
+            <a:pPr marL="0" indent="0">
+              <a:buNone/>
+            </a:pPr>
+            <a:r>
+              <a:rPr lang="en-US" sz="2200" b="1" dirty="0">
+                <a:solidFill>
+                  <a:schemeClr val="accent6">
+                    <a:lumMod val="75000"/>
+                  </a:schemeClr>
+                </a:solidFill>
+              </a:rPr>
+              <a:t># divide function</a:t>
+            </a:r>
+          </a:p>
+          <a:p>
+            <a:pPr marL="0" indent="0">
+              <a:buNone/>
+            </a:pPr>
+            <a:r>
+              <a:rPr lang="en-US" sz="2200" b="1" dirty="0" err="1">
+                <a:solidFill>
+                  <a:schemeClr val="accent6">
+                    <a:lumMod val="75000"/>
+                  </a:schemeClr>
+                </a:solidFill>
+              </a:rPr>
+              <a:t>def</a:t>
+            </a:r>
+            <a:r>
+              <a:rPr lang="en-US" sz="2200" b="1" dirty="0">
+                <a:solidFill>
+                  <a:schemeClr val="accent6">
+                    <a:lumMod val="75000"/>
+                  </a:schemeClr>
+                </a:solidFill>
+              </a:rPr>
+              <a:t> partition(</a:t>
+            </a:r>
+            <a:r>
+              <a:rPr lang="en-US" sz="2200" b="1" dirty="0" err="1">
+                <a:solidFill>
+                  <a:schemeClr val="accent6">
+                    <a:lumMod val="75000"/>
+                  </a:schemeClr>
+                </a:solidFill>
+              </a:rPr>
+              <a:t>arr,low,high</a:t>
+            </a:r>
+            <a:r>
+              <a:rPr lang="en-US" sz="2200" b="1" dirty="0">
+                <a:solidFill>
+                  <a:schemeClr val="accent6">
+                    <a:lumMod val="75000"/>
+                  </a:schemeClr>
+                </a:solidFill>
+              </a:rPr>
+              <a:t>):</a:t>
+            </a:r>
+          </a:p>
+          <a:p>
+            <a:pPr marL="0" indent="0">
+              <a:buNone/>
+            </a:pPr>
+            <a:r>
+              <a:rPr lang="en-US" sz="2200" b="1" dirty="0">
+                <a:solidFill>
+                  <a:schemeClr val="accent6">
+                    <a:lumMod val="75000"/>
+                  </a:schemeClr>
+                </a:solidFill>
+              </a:rPr>
+              <a:t>   </a:t>
+            </a:r>
+            <a:r>
+              <a:rPr lang="en-US" sz="2200" b="1" dirty="0" err="1">
+                <a:solidFill>
+                  <a:schemeClr val="accent6">
+                    <a:lumMod val="75000"/>
+                  </a:schemeClr>
+                </a:solidFill>
+              </a:rPr>
+              <a:t>i</a:t>
+            </a:r>
+            <a:r>
+              <a:rPr lang="en-US" sz="2200" b="1" dirty="0">
+                <a:solidFill>
+                  <a:schemeClr val="accent6">
+                    <a:lumMod val="75000"/>
+                  </a:schemeClr>
+                </a:solidFill>
+              </a:rPr>
+              <a:t> = ( low-1 )</a:t>
+            </a:r>
+          </a:p>
+          <a:p>
+            <a:pPr marL="0" indent="0">
+              <a:buNone/>
+            </a:pPr>
+            <a:r>
+              <a:rPr lang="en-US" sz="2200" b="1" dirty="0">
+                <a:solidFill>
+                  <a:schemeClr val="accent6">
+                    <a:lumMod val="75000"/>
+                  </a:schemeClr>
+                </a:solidFill>
+              </a:rPr>
+              <a:t>   pivot = </a:t>
+            </a:r>
+            <a:r>
+              <a:rPr lang="en-US" sz="2200" b="1" dirty="0" err="1">
+                <a:solidFill>
+                  <a:schemeClr val="accent6">
+                    <a:lumMod val="75000"/>
+                  </a:schemeClr>
+                </a:solidFill>
+              </a:rPr>
+              <a:t>arr</a:t>
+            </a:r>
+            <a:r>
+              <a:rPr lang="en-US" sz="2200" b="1" dirty="0">
+                <a:solidFill>
+                  <a:schemeClr val="accent6">
+                    <a:lumMod val="75000"/>
+                  </a:schemeClr>
+                </a:solidFill>
+              </a:rPr>
+              <a:t>[high] # pivot element</a:t>
+            </a:r>
+          </a:p>
+          <a:p>
+            <a:pPr marL="0" indent="0">
+              <a:buNone/>
+            </a:pPr>
+            <a:r>
+              <a:rPr lang="en-US" sz="2200" b="1" dirty="0">
+                <a:solidFill>
+                  <a:schemeClr val="accent6">
+                    <a:lumMod val="75000"/>
+                  </a:schemeClr>
+                </a:solidFill>
+              </a:rPr>
+              <a:t>   for j in range(low , high):</a:t>
+            </a:r>
+          </a:p>
+          <a:p>
+            <a:pPr marL="0" indent="0">
+              <a:buNone/>
+            </a:pPr>
+            <a:r>
+              <a:rPr lang="en-US" sz="2200" b="1" dirty="0">
+                <a:solidFill>
+                  <a:schemeClr val="accent6">
+                    <a:lumMod val="75000"/>
+                  </a:schemeClr>
+                </a:solidFill>
+              </a:rPr>
+              <a:t>      # If current element is smaller</a:t>
+            </a:r>
+          </a:p>
+          <a:p>
+            <a:pPr marL="0" indent="0">
+              <a:buNone/>
+            </a:pPr>
+            <a:r>
+              <a:rPr lang="en-US" sz="2200" b="1" dirty="0">
+                <a:solidFill>
+                  <a:schemeClr val="accent6">
+                    <a:lumMod val="75000"/>
+                  </a:schemeClr>
+                </a:solidFill>
+              </a:rPr>
+              <a:t>      if </a:t>
+            </a:r>
+            <a:r>
+              <a:rPr lang="en-US" sz="2200" b="1" dirty="0" err="1">
+                <a:solidFill>
+                  <a:schemeClr val="accent6">
+                    <a:lumMod val="75000"/>
+                  </a:schemeClr>
+                </a:solidFill>
+              </a:rPr>
+              <a:t>arr</a:t>
+            </a:r>
+            <a:r>
+              <a:rPr lang="en-US" sz="2200" b="1" dirty="0">
+                <a:solidFill>
+                  <a:schemeClr val="accent6">
+                    <a:lumMod val="75000"/>
+                  </a:schemeClr>
+                </a:solidFill>
+              </a:rPr>
+              <a:t>[j] &lt;= pivot:</a:t>
+            </a:r>
+          </a:p>
+          <a:p>
+            <a:pPr marL="0" indent="0">
+              <a:buNone/>
+            </a:pPr>
+            <a:r>
+              <a:rPr lang="en-US" sz="2200" b="1" dirty="0">
+                <a:solidFill>
+                  <a:schemeClr val="accent6">
+                    <a:lumMod val="75000"/>
+                  </a:schemeClr>
+                </a:solidFill>
+              </a:rPr>
+              <a:t>         # increment</a:t>
+            </a:r>
+          </a:p>
+          <a:p>
+            <a:pPr marL="0" indent="0">
+              <a:buNone/>
+            </a:pPr>
+            <a:r>
+              <a:rPr lang="en-US" sz="2200" b="1" dirty="0">
+                <a:solidFill>
+                  <a:schemeClr val="accent6">
+                    <a:lumMod val="75000"/>
+                  </a:schemeClr>
+                </a:solidFill>
+              </a:rPr>
+              <a:t>         </a:t>
+            </a:r>
+            <a:r>
+              <a:rPr lang="en-US" sz="2200" b="1" dirty="0" err="1">
+                <a:solidFill>
+                  <a:schemeClr val="accent6">
+                    <a:lumMod val="75000"/>
+                  </a:schemeClr>
+                </a:solidFill>
+              </a:rPr>
+              <a:t>i</a:t>
+            </a:r>
+            <a:r>
+              <a:rPr lang="en-US" sz="2200" b="1" dirty="0">
+                <a:solidFill>
+                  <a:schemeClr val="accent6">
+                    <a:lumMod val="75000"/>
+                  </a:schemeClr>
+                </a:solidFill>
+              </a:rPr>
+              <a:t> = i+1</a:t>
+            </a:r>
+          </a:p>
+          <a:p>
+            <a:pPr marL="0" indent="0">
+              <a:buNone/>
+            </a:pPr>
+            <a:r>
+              <a:rPr lang="en-US" sz="2200" b="1" dirty="0">
+                <a:solidFill>
+                  <a:schemeClr val="accent6">
+                    <a:lumMod val="75000"/>
+                  </a:schemeClr>
+                </a:solidFill>
+              </a:rPr>
+              <a:t>         </a:t>
+            </a:r>
+            <a:r>
+              <a:rPr lang="en-US" sz="2200" b="1" dirty="0" err="1">
+                <a:solidFill>
+                  <a:schemeClr val="accent6">
+                    <a:lumMod val="75000"/>
+                  </a:schemeClr>
+                </a:solidFill>
+              </a:rPr>
+              <a:t>arr</a:t>
+            </a:r>
+            <a:r>
+              <a:rPr lang="en-US" sz="2200" b="1" dirty="0">
+                <a:solidFill>
+                  <a:schemeClr val="accent6">
+                    <a:lumMod val="75000"/>
+                  </a:schemeClr>
+                </a:solidFill>
+              </a:rPr>
+              <a:t>[</a:t>
+            </a:r>
+            <a:r>
+              <a:rPr lang="en-US" sz="2200" b="1" dirty="0" err="1">
+                <a:solidFill>
+                  <a:schemeClr val="accent6">
+                    <a:lumMod val="75000"/>
+                  </a:schemeClr>
+                </a:solidFill>
+              </a:rPr>
+              <a:t>i</a:t>
+            </a:r>
+            <a:r>
+              <a:rPr lang="en-US" sz="2200" b="1" dirty="0">
+                <a:solidFill>
+                  <a:schemeClr val="accent6">
+                    <a:lumMod val="75000"/>
+                  </a:schemeClr>
+                </a:solidFill>
+              </a:rPr>
+              <a:t>],</a:t>
+            </a:r>
+            <a:r>
+              <a:rPr lang="en-US" sz="2200" b="1" dirty="0" err="1">
+                <a:solidFill>
+                  <a:schemeClr val="accent6">
+                    <a:lumMod val="75000"/>
+                  </a:schemeClr>
+                </a:solidFill>
+              </a:rPr>
+              <a:t>arr</a:t>
+            </a:r>
+            <a:r>
+              <a:rPr lang="en-US" sz="2200" b="1" dirty="0">
+                <a:solidFill>
+                  <a:schemeClr val="accent6">
+                    <a:lumMod val="75000"/>
+                  </a:schemeClr>
+                </a:solidFill>
+              </a:rPr>
+              <a:t>[j] = </a:t>
+            </a:r>
+            <a:r>
+              <a:rPr lang="en-US" sz="2200" b="1" dirty="0" err="1">
+                <a:solidFill>
+                  <a:schemeClr val="accent6">
+                    <a:lumMod val="75000"/>
+                  </a:schemeClr>
+                </a:solidFill>
+              </a:rPr>
+              <a:t>arr</a:t>
+            </a:r>
+            <a:r>
+              <a:rPr lang="en-US" sz="2200" b="1" dirty="0">
+                <a:solidFill>
+                  <a:schemeClr val="accent6">
+                    <a:lumMod val="75000"/>
+                  </a:schemeClr>
+                </a:solidFill>
+              </a:rPr>
+              <a:t>[j],</a:t>
+            </a:r>
+            <a:r>
+              <a:rPr lang="en-US" sz="2200" b="1" dirty="0" err="1">
+                <a:solidFill>
+                  <a:schemeClr val="accent6">
+                    <a:lumMod val="75000"/>
+                  </a:schemeClr>
+                </a:solidFill>
+              </a:rPr>
+              <a:t>arr</a:t>
+            </a:r>
+            <a:r>
+              <a:rPr lang="en-US" sz="2200" b="1" dirty="0">
+                <a:solidFill>
+                  <a:schemeClr val="accent6">
+                    <a:lumMod val="75000"/>
+                  </a:schemeClr>
+                </a:solidFill>
+              </a:rPr>
+              <a:t>[</a:t>
+            </a:r>
+            <a:r>
+              <a:rPr lang="en-US" sz="2200" b="1" dirty="0" err="1">
+                <a:solidFill>
+                  <a:schemeClr val="accent6">
+                    <a:lumMod val="75000"/>
+                  </a:schemeClr>
+                </a:solidFill>
+              </a:rPr>
+              <a:t>i</a:t>
+            </a:r>
+            <a:r>
+              <a:rPr lang="en-US" sz="2200" b="1" dirty="0">
+                <a:solidFill>
+                  <a:schemeClr val="accent6">
+                    <a:lumMod val="75000"/>
+                  </a:schemeClr>
+                </a:solidFill>
+              </a:rPr>
+              <a:t>]</a:t>
+            </a:r>
+          </a:p>
+          <a:p>
+            <a:pPr marL="0" indent="0">
+              <a:buNone/>
+            </a:pPr>
+            <a:r>
+              <a:rPr lang="en-US" sz="2200" b="1" dirty="0">
+                <a:solidFill>
+                  <a:schemeClr val="accent6">
+                    <a:lumMod val="75000"/>
+                  </a:schemeClr>
+                </a:solidFill>
+              </a:rPr>
+              <a:t>   </a:t>
+            </a:r>
+            <a:r>
+              <a:rPr lang="en-US" sz="2200" b="1" dirty="0" err="1">
+                <a:solidFill>
+                  <a:schemeClr val="accent6">
+                    <a:lumMod val="75000"/>
+                  </a:schemeClr>
+                </a:solidFill>
+              </a:rPr>
+              <a:t>arr</a:t>
+            </a:r>
+            <a:r>
+              <a:rPr lang="en-US" sz="2200" b="1" dirty="0">
+                <a:solidFill>
+                  <a:schemeClr val="accent6">
+                    <a:lumMod val="75000"/>
+                  </a:schemeClr>
+                </a:solidFill>
+              </a:rPr>
+              <a:t>[i+1],</a:t>
+            </a:r>
+            <a:r>
+              <a:rPr lang="en-US" sz="2200" b="1" dirty="0" err="1">
+                <a:solidFill>
+                  <a:schemeClr val="accent6">
+                    <a:lumMod val="75000"/>
+                  </a:schemeClr>
+                </a:solidFill>
+              </a:rPr>
+              <a:t>arr</a:t>
+            </a:r>
+            <a:r>
+              <a:rPr lang="en-US" sz="2200" b="1" dirty="0">
+                <a:solidFill>
+                  <a:schemeClr val="accent6">
+                    <a:lumMod val="75000"/>
+                  </a:schemeClr>
+                </a:solidFill>
+              </a:rPr>
+              <a:t>[high] = </a:t>
+            </a:r>
+            <a:r>
+              <a:rPr lang="en-US" sz="2200" b="1" dirty="0" err="1">
+                <a:solidFill>
+                  <a:schemeClr val="accent6">
+                    <a:lumMod val="75000"/>
+                  </a:schemeClr>
+                </a:solidFill>
+              </a:rPr>
+              <a:t>arr</a:t>
+            </a:r>
+            <a:r>
+              <a:rPr lang="en-US" sz="2200" b="1" dirty="0">
+                <a:solidFill>
+                  <a:schemeClr val="accent6">
+                    <a:lumMod val="75000"/>
+                  </a:schemeClr>
+                </a:solidFill>
+              </a:rPr>
+              <a:t>[high],</a:t>
+            </a:r>
+            <a:r>
+              <a:rPr lang="en-US" sz="2200" b="1" dirty="0" err="1">
+                <a:solidFill>
+                  <a:schemeClr val="accent6">
+                    <a:lumMod val="75000"/>
+                  </a:schemeClr>
+                </a:solidFill>
+              </a:rPr>
+              <a:t>arr</a:t>
+            </a:r>
+            <a:r>
+              <a:rPr lang="en-US" sz="2200" b="1" dirty="0">
+                <a:solidFill>
+                  <a:schemeClr val="accent6">
+                    <a:lumMod val="75000"/>
+                  </a:schemeClr>
+                </a:solidFill>
+              </a:rPr>
+              <a:t>[i+1]</a:t>
+            </a:r>
+          </a:p>
+          <a:p>
+            <a:pPr marL="0" indent="0">
+              <a:buNone/>
+            </a:pPr>
+            <a:r>
+              <a:rPr lang="en-US" sz="2200" b="1" dirty="0">
+                <a:solidFill>
+                  <a:schemeClr val="accent6">
+                    <a:lumMod val="75000"/>
+                  </a:schemeClr>
+                </a:solidFill>
+              </a:rPr>
+              <a:t>   return ( i+1 )</a:t>
             </a:r>
           </a:p>
         </p:txBody>
@@ -11379,20 +13250,13 @@
     </p:spTree>
     <p:extLst>
       <p:ext uri="{BB962C8B-B14F-4D97-AF65-F5344CB8AC3E}">
-        <p14:creationId xmlns:p14="http://schemas.microsoft.com/office/powerpoint/2010/main" val="1030081530"/>
+        <p14:creationId xmlns:p14="http://schemas.microsoft.com/office/powerpoint/2010/main" val="4047156338"/>
       </p:ext>
     </p:extLst>
   </p:cSld>
   <p:clrMapOvr>
     <a:masterClrMapping/>
   </p:clrMapOvr>
-  <p:timing>
-    <p:tnLst>
-      <p:par>
-        <p:cTn id="1" dur="indefinite" restart="never" nodeType="tmRoot"/>
-      </p:par>
-    </p:tnLst>
-  </p:timing>
 </p:sld>
 </file>
 
@@ -11415,50 +13279,6 @@
       </p:grpSpPr>
       <p:sp>
         <p:nvSpPr>
-          <p:cNvPr id="2" name="Title 1"/>
-          <p:cNvSpPr>
-            <a:spLocks noGrp="1"/>
-          </p:cNvSpPr>
-          <p:nvPr>
-            <p:ph type="title"/>
-          </p:nvPr>
-        </p:nvSpPr>
-        <p:spPr>
-          <a:xfrm>
-            <a:off x="623455" y="1"/>
-            <a:ext cx="11473410" cy="706582"/>
-          </a:xfrm>
-        </p:spPr>
-        <p:txBody>
-          <a:bodyPr>
-            <a:normAutofit/>
-          </a:bodyPr>
-          <a:lstStyle/>
-          <a:p>
-            <a:r>
-              <a:rPr lang="en-US" sz="4000" b="1" dirty="0" smtClean="0">
-                <a:solidFill>
-                  <a:schemeClr val="accent4">
-                    <a:lumMod val="60000"/>
-                    <a:lumOff val="40000"/>
-                  </a:schemeClr>
-                </a:solidFill>
-              </a:rPr>
-              <a:t>IMPLENTATION OF TOWER OF HANOI IN PYTHON</a:t>
-            </a:r>
-            <a:endParaRPr lang="en-US" sz="4000" b="1" dirty="0">
-              <a:solidFill>
-                <a:schemeClr val="accent4">
-                  <a:lumMod val="60000"/>
-                  <a:lumOff val="40000"/>
-                </a:schemeClr>
-              </a:solidFill>
-            </a:endParaRPr>
-          </a:p>
-        </p:txBody>
-      </p:sp>
-      <p:sp>
-        <p:nvSpPr>
           <p:cNvPr id="3" name="Content Placeholder 2"/>
           <p:cNvSpPr>
             <a:spLocks noGrp="1"/>
@@ -11469,13 +13289,13 @@
         </p:nvSpPr>
         <p:spPr>
           <a:xfrm>
-            <a:off x="138547" y="885151"/>
-            <a:ext cx="13004800" cy="6192982"/>
+            <a:off x="224849" y="160096"/>
+            <a:ext cx="12438206" cy="7044268"/>
           </a:xfrm>
         </p:spPr>
         <p:txBody>
           <a:bodyPr>
-            <a:normAutofit lnSpcReduction="10000"/>
+            <a:normAutofit fontScale="92500" lnSpcReduction="20000"/>
           </a:bodyPr>
           <a:lstStyle/>
           <a:p>
@@ -11483,9 +13303,24 @@
               <a:buNone/>
             </a:pPr>
             <a:r>
+              <a:rPr lang="en-US" b="1" dirty="0">
+                <a:solidFill>
+                  <a:schemeClr val="accent6">
+                    <a:lumMod val="75000"/>
+                  </a:schemeClr>
+                </a:solidFill>
+              </a:rPr>
+              <a:t># sort</a:t>
+            </a:r>
+          </a:p>
+          <a:p>
+            <a:pPr marL="0" indent="0">
+              <a:buNone/>
+            </a:pPr>
+            <a:r>
               <a:rPr lang="en-US" b="1" dirty="0" err="1">
                 <a:solidFill>
-                  <a:schemeClr val="accent5">
+                  <a:schemeClr val="accent6">
                     <a:lumMod val="75000"/>
                   </a:schemeClr>
                 </a:solidFill>
@@ -11495,7 +13330,7 @@
             <a:r>
               <a:rPr lang="en-US" b="1" dirty="0">
                 <a:solidFill>
-                  <a:schemeClr val="accent5">
+                  <a:schemeClr val="accent6">
                     <a:lumMod val="75000"/>
                   </a:schemeClr>
                 </a:solidFill>
@@ -11505,37 +13340,42 @@
             <a:r>
               <a:rPr lang="en-US" b="1" dirty="0" err="1">
                 <a:solidFill>
-                  <a:schemeClr val="accent5">
-                    <a:lumMod val="75000"/>
-                  </a:schemeClr>
-                </a:solidFill>
-              </a:rPr>
-              <a:t>hanoi</a:t>
+                  <a:schemeClr val="accent6">
+                    <a:lumMod val="75000"/>
+                  </a:schemeClr>
+                </a:solidFill>
+              </a:rPr>
+              <a:t>quickSort</a:t>
             </a:r>
             <a:r>
               <a:rPr lang="en-US" b="1" dirty="0">
                 <a:solidFill>
-                  <a:schemeClr val="accent5">
-                    <a:lumMod val="75000"/>
-                  </a:schemeClr>
-                </a:solidFill>
-              </a:rPr>
-              <a:t>(disks, source, auxiliary, target):</a:t>
-            </a:r>
-          </a:p>
-          <a:p>
-            <a:pPr marL="0" indent="0">
-              <a:buNone/>
-            </a:pPr>
+                  <a:schemeClr val="accent6">
+                    <a:lumMod val="75000"/>
+                  </a:schemeClr>
+                </a:solidFill>
+              </a:rPr>
+              <a:t>(</a:t>
+            </a:r>
+            <a:r>
+              <a:rPr lang="en-US" b="1" dirty="0" err="1">
+                <a:solidFill>
+                  <a:schemeClr val="accent6">
+                    <a:lumMod val="75000"/>
+                  </a:schemeClr>
+                </a:solidFill>
+              </a:rPr>
+              <a:t>arr,low,high</a:t>
+            </a:r>
             <a:r>
               <a:rPr lang="en-US" b="1" dirty="0">
                 <a:solidFill>
-                  <a:schemeClr val="accent5">
-                    <a:lumMod val="75000"/>
-                  </a:schemeClr>
-                </a:solidFill>
-              </a:rPr>
-              <a:t>    if disks == 1:</a:t>
+                  <a:schemeClr val="accent6">
+                    <a:lumMod val="75000"/>
+                  </a:schemeClr>
+                </a:solidFill>
+              </a:rPr>
+              <a:t>):</a:t>
             </a:r>
           </a:p>
           <a:p>
@@ -11545,12 +13385,12 @@
             <a:r>
               <a:rPr lang="en-US" b="1" dirty="0">
                 <a:solidFill>
-                  <a:schemeClr val="accent5">
-                    <a:lumMod val="75000"/>
-                  </a:schemeClr>
-                </a:solidFill>
-              </a:rPr>
-              <a:t>        print('Move disk 1 from peg {} to peg {}.'.format(source, target))</a:t>
+                  <a:schemeClr val="accent6">
+                    <a:lumMod val="75000"/>
+                  </a:schemeClr>
+                </a:solidFill>
+              </a:rPr>
+              <a:t>   if low &lt; high:</a:t>
             </a:r>
           </a:p>
           <a:p>
@@ -11560,25 +13400,13 @@
             <a:r>
               <a:rPr lang="en-US" b="1" dirty="0">
                 <a:solidFill>
-                  <a:schemeClr val="accent5">
-                    <a:lumMod val="75000"/>
-                  </a:schemeClr>
-                </a:solidFill>
-              </a:rPr>
-              <a:t>        return</a:t>
-            </a:r>
-          </a:p>
-          <a:p>
-            <a:pPr marL="0" indent="0">
-              <a:buNone/>
-            </a:pPr>
-            <a:endParaRPr lang="en-US" b="1" dirty="0">
-              <a:solidFill>
-                <a:schemeClr val="accent5">
-                  <a:lumMod val="75000"/>
-                </a:schemeClr>
-              </a:solidFill>
-            </a:endParaRPr>
+                  <a:schemeClr val="accent6">
+                    <a:lumMod val="75000"/>
+                  </a:schemeClr>
+                </a:solidFill>
+              </a:rPr>
+              <a:t>      # index</a:t>
+            </a:r>
           </a:p>
           <a:p>
             <a:pPr marL="0" indent="0">
@@ -11587,32 +13415,32 @@
             <a:r>
               <a:rPr lang="en-US" b="1" dirty="0">
                 <a:solidFill>
-                  <a:schemeClr val="accent5">
-                    <a:lumMod val="75000"/>
-                  </a:schemeClr>
-                </a:solidFill>
-              </a:rPr>
-              <a:t>    </a:t>
+                  <a:schemeClr val="accent6">
+                    <a:lumMod val="75000"/>
+                  </a:schemeClr>
+                </a:solidFill>
+              </a:rPr>
+              <a:t>      pi = partition(</a:t>
             </a:r>
             <a:r>
               <a:rPr lang="en-US" b="1" dirty="0" err="1">
                 <a:solidFill>
-                  <a:schemeClr val="accent5">
-                    <a:lumMod val="75000"/>
-                  </a:schemeClr>
-                </a:solidFill>
-              </a:rPr>
-              <a:t>hanoi</a:t>
+                  <a:schemeClr val="accent6">
+                    <a:lumMod val="75000"/>
+                  </a:schemeClr>
+                </a:solidFill>
+              </a:rPr>
+              <a:t>arr,low,high</a:t>
             </a:r>
             <a:r>
               <a:rPr lang="en-US" b="1" dirty="0">
                 <a:solidFill>
-                  <a:schemeClr val="accent5">
-                    <a:lumMod val="75000"/>
-                  </a:schemeClr>
-                </a:solidFill>
-              </a:rPr>
-              <a:t>(disks - 1, source, target, auxiliary)</a:t>
+                  <a:schemeClr val="accent6">
+                    <a:lumMod val="75000"/>
+                  </a:schemeClr>
+                </a:solidFill>
+              </a:rPr>
+              <a:t>)</a:t>
             </a:r>
           </a:p>
           <a:p>
@@ -11622,12 +13450,12 @@
             <a:r>
               <a:rPr lang="en-US" b="1" dirty="0">
                 <a:solidFill>
-                  <a:schemeClr val="accent5">
-                    <a:lumMod val="75000"/>
-                  </a:schemeClr>
-                </a:solidFill>
-              </a:rPr>
-              <a:t>    print('Move disk {} from peg {} to peg {}.'.format(disks, source, target))</a:t>
+                  <a:schemeClr val="accent6">
+                    <a:lumMod val="75000"/>
+                  </a:schemeClr>
+                </a:solidFill>
+              </a:rPr>
+              <a:t>      # sort the partitions</a:t>
             </a:r>
           </a:p>
           <a:p>
@@ -11637,161 +13465,346 @@
             <a:r>
               <a:rPr lang="en-US" b="1" dirty="0">
                 <a:solidFill>
-                  <a:schemeClr val="accent5">
-                    <a:lumMod val="75000"/>
-                  </a:schemeClr>
-                </a:solidFill>
-              </a:rPr>
-              <a:t>    </a:t>
+                  <a:schemeClr val="accent6">
+                    <a:lumMod val="75000"/>
+                  </a:schemeClr>
+                </a:solidFill>
+              </a:rPr>
+              <a:t>      </a:t>
             </a:r>
             <a:r>
               <a:rPr lang="en-US" b="1" dirty="0" err="1">
                 <a:solidFill>
-                  <a:schemeClr val="accent5">
-                    <a:lumMod val="75000"/>
-                  </a:schemeClr>
-                </a:solidFill>
-              </a:rPr>
-              <a:t>hanoi</a:t>
+                  <a:schemeClr val="accent6">
+                    <a:lumMod val="75000"/>
+                  </a:schemeClr>
+                </a:solidFill>
+              </a:rPr>
+              <a:t>quickSort</a:t>
             </a:r>
             <a:r>
               <a:rPr lang="en-US" b="1" dirty="0">
                 <a:solidFill>
-                  <a:schemeClr val="accent5">
-                    <a:lumMod val="75000"/>
-                  </a:schemeClr>
-                </a:solidFill>
-              </a:rPr>
-              <a:t>(disks - 1, auxiliary, source, target)</a:t>
-            </a:r>
-          </a:p>
-          <a:p>
-            <a:pPr marL="0" indent="0">
-              <a:buNone/>
-            </a:pPr>
-            <a:endParaRPr lang="en-US" b="1" dirty="0">
-              <a:solidFill>
-                <a:schemeClr val="accent5">
-                  <a:lumMod val="75000"/>
-                </a:schemeClr>
-              </a:solidFill>
-            </a:endParaRPr>
-          </a:p>
-          <a:p>
-            <a:pPr marL="0" indent="0">
-              <a:buNone/>
-            </a:pPr>
-            <a:endParaRPr lang="en-US" b="1" dirty="0">
-              <a:solidFill>
-                <a:schemeClr val="accent5">
-                  <a:lumMod val="75000"/>
-                </a:schemeClr>
-              </a:solidFill>
-            </a:endParaRPr>
-          </a:p>
-          <a:p>
-            <a:pPr marL="0" indent="0">
-              <a:buNone/>
-            </a:pPr>
+                  <a:schemeClr val="accent6">
+                    <a:lumMod val="75000"/>
+                  </a:schemeClr>
+                </a:solidFill>
+              </a:rPr>
+              <a:t>(</a:t>
+            </a:r>
+            <a:r>
+              <a:rPr lang="en-US" b="1" dirty="0" err="1">
+                <a:solidFill>
+                  <a:schemeClr val="accent6">
+                    <a:lumMod val="75000"/>
+                  </a:schemeClr>
+                </a:solidFill>
+              </a:rPr>
+              <a:t>arr</a:t>
+            </a:r>
             <a:r>
               <a:rPr lang="en-US" b="1" dirty="0">
                 <a:solidFill>
-                  <a:schemeClr val="accent5">
-                    <a:lumMod val="75000"/>
-                  </a:schemeClr>
-                </a:solidFill>
-              </a:rPr>
-              <a:t>disks = </a:t>
+                  <a:schemeClr val="accent6">
+                    <a:lumMod val="75000"/>
+                  </a:schemeClr>
+                </a:solidFill>
+              </a:rPr>
+              <a:t>, low, pi-1)</a:t>
+            </a:r>
+          </a:p>
+          <a:p>
+            <a:pPr marL="0" indent="0">
+              <a:buNone/>
+            </a:pPr>
+            <a:r>
+              <a:rPr lang="en-US" b="1" dirty="0">
+                <a:solidFill>
+                  <a:schemeClr val="accent6">
+                    <a:lumMod val="75000"/>
+                  </a:schemeClr>
+                </a:solidFill>
+              </a:rPr>
+              <a:t>      </a:t>
             </a:r>
             <a:r>
               <a:rPr lang="en-US" b="1" dirty="0" err="1">
                 <a:solidFill>
-                  <a:schemeClr val="accent5">
-                    <a:lumMod val="75000"/>
-                  </a:schemeClr>
-                </a:solidFill>
-              </a:rPr>
-              <a:t>int</a:t>
+                  <a:schemeClr val="accent6">
+                    <a:lumMod val="75000"/>
+                  </a:schemeClr>
+                </a:solidFill>
+              </a:rPr>
+              <a:t>quickSort</a:t>
             </a:r>
             <a:r>
               <a:rPr lang="en-US" b="1" dirty="0">
                 <a:solidFill>
-                  <a:schemeClr val="accent5">
-                    <a:lumMod val="75000"/>
-                  </a:schemeClr>
-                </a:solidFill>
-              </a:rPr>
-              <a:t>(input('Enter number of disks: '))</a:t>
-            </a:r>
-          </a:p>
-          <a:p>
-            <a:pPr marL="0" indent="0">
-              <a:buNone/>
-            </a:pPr>
+                  <a:schemeClr val="accent6">
+                    <a:lumMod val="75000"/>
+                  </a:schemeClr>
+                </a:solidFill>
+              </a:rPr>
+              <a:t>(</a:t>
+            </a:r>
             <a:r>
               <a:rPr lang="en-US" b="1" dirty="0" err="1">
                 <a:solidFill>
-                  <a:schemeClr val="accent5">
-                    <a:lumMod val="75000"/>
-                  </a:schemeClr>
-                </a:solidFill>
-              </a:rPr>
-              <a:t>hanoi</a:t>
+                  <a:schemeClr val="accent6">
+                    <a:lumMod val="75000"/>
+                  </a:schemeClr>
+                </a:solidFill>
+              </a:rPr>
+              <a:t>arr</a:t>
             </a:r>
             <a:r>
               <a:rPr lang="en-US" b="1" dirty="0">
                 <a:solidFill>
-                  <a:schemeClr val="accent5">
-                    <a:lumMod val="75000"/>
-                  </a:schemeClr>
-                </a:solidFill>
-              </a:rPr>
-              <a:t>(disks, 'A', 'B', 'C')</a:t>
-            </a:r>
-          </a:p>
-          <a:p>
-            <a:pPr marL="0" indent="0">
-              <a:buNone/>
-            </a:pPr>
-            <a:endParaRPr lang="en-US" b="1" dirty="0">
-              <a:solidFill>
-                <a:schemeClr val="accent5">
-                  <a:lumMod val="75000"/>
-                </a:schemeClr>
-              </a:solidFill>
-            </a:endParaRPr>
-          </a:p>
-          <a:p>
-            <a:pPr marL="0" indent="0">
-              <a:buNone/>
-            </a:pPr>
-            <a:endParaRPr lang="en-US" b="1" dirty="0">
-              <a:solidFill>
-                <a:schemeClr val="accent5">
-                  <a:lumMod val="75000"/>
-                </a:schemeClr>
-              </a:solidFill>
-            </a:endParaRPr>
+                  <a:schemeClr val="accent6">
+                    <a:lumMod val="75000"/>
+                  </a:schemeClr>
+                </a:solidFill>
+              </a:rPr>
+              <a:t>, pi+1, high)</a:t>
+            </a:r>
+          </a:p>
+          <a:p>
+            <a:pPr marL="0" indent="0">
+              <a:buNone/>
+            </a:pPr>
+            <a:r>
+              <a:rPr lang="en-US" b="1" dirty="0">
+                <a:solidFill>
+                  <a:schemeClr val="accent6">
+                    <a:lumMod val="75000"/>
+                  </a:schemeClr>
+                </a:solidFill>
+              </a:rPr>
+              <a:t># main</a:t>
+            </a:r>
+          </a:p>
+          <a:p>
+            <a:pPr marL="0" indent="0">
+              <a:buNone/>
+            </a:pPr>
+            <a:r>
+              <a:rPr lang="en-US" b="1" dirty="0" err="1">
+                <a:solidFill>
+                  <a:schemeClr val="accent6">
+                    <a:lumMod val="75000"/>
+                  </a:schemeClr>
+                </a:solidFill>
+              </a:rPr>
+              <a:t>arr</a:t>
+            </a:r>
+            <a:r>
+              <a:rPr lang="en-US" b="1" dirty="0">
+                <a:solidFill>
+                  <a:schemeClr val="accent6">
+                    <a:lumMod val="75000"/>
+                  </a:schemeClr>
+                </a:solidFill>
+              </a:rPr>
+              <a:t> = [2,5,3,8,6,5,4,7]</a:t>
+            </a:r>
+          </a:p>
+          <a:p>
+            <a:pPr marL="0" indent="0">
+              <a:buNone/>
+            </a:pPr>
+            <a:r>
+              <a:rPr lang="en-US" b="1" dirty="0">
+                <a:solidFill>
+                  <a:schemeClr val="accent6">
+                    <a:lumMod val="75000"/>
+                  </a:schemeClr>
+                </a:solidFill>
+              </a:rPr>
+              <a:t>n = </a:t>
+            </a:r>
+            <a:r>
+              <a:rPr lang="en-US" b="1" dirty="0" err="1">
+                <a:solidFill>
+                  <a:schemeClr val="accent6">
+                    <a:lumMod val="75000"/>
+                  </a:schemeClr>
+                </a:solidFill>
+              </a:rPr>
+              <a:t>len</a:t>
+            </a:r>
+            <a:r>
+              <a:rPr lang="en-US" b="1" dirty="0">
+                <a:solidFill>
+                  <a:schemeClr val="accent6">
+                    <a:lumMod val="75000"/>
+                  </a:schemeClr>
+                </a:solidFill>
+              </a:rPr>
+              <a:t>(</a:t>
+            </a:r>
+            <a:r>
+              <a:rPr lang="en-US" b="1" dirty="0" err="1">
+                <a:solidFill>
+                  <a:schemeClr val="accent6">
+                    <a:lumMod val="75000"/>
+                  </a:schemeClr>
+                </a:solidFill>
+              </a:rPr>
+              <a:t>arr</a:t>
+            </a:r>
+            <a:r>
+              <a:rPr lang="en-US" b="1" dirty="0">
+                <a:solidFill>
+                  <a:schemeClr val="accent6">
+                    <a:lumMod val="75000"/>
+                  </a:schemeClr>
+                </a:solidFill>
+              </a:rPr>
+              <a:t>)</a:t>
+            </a:r>
+          </a:p>
+          <a:p>
+            <a:pPr marL="0" indent="0">
+              <a:buNone/>
+            </a:pPr>
+            <a:r>
+              <a:rPr lang="en-US" b="1" dirty="0" err="1">
+                <a:solidFill>
+                  <a:schemeClr val="accent6">
+                    <a:lumMod val="75000"/>
+                  </a:schemeClr>
+                </a:solidFill>
+              </a:rPr>
+              <a:t>quickSort</a:t>
+            </a:r>
+            <a:r>
+              <a:rPr lang="en-US" b="1" dirty="0">
+                <a:solidFill>
+                  <a:schemeClr val="accent6">
+                    <a:lumMod val="75000"/>
+                  </a:schemeClr>
+                </a:solidFill>
+              </a:rPr>
+              <a:t>(arr,0,n-1)</a:t>
+            </a:r>
+          </a:p>
+          <a:p>
+            <a:pPr marL="0" indent="0">
+              <a:buNone/>
+            </a:pPr>
+            <a:r>
+              <a:rPr lang="en-US" b="1" dirty="0">
+                <a:solidFill>
+                  <a:schemeClr val="accent6">
+                    <a:lumMod val="75000"/>
+                  </a:schemeClr>
+                </a:solidFill>
+              </a:rPr>
+              <a:t>print ("Sorted array is:")</a:t>
+            </a:r>
+          </a:p>
+          <a:p>
+            <a:pPr marL="0" indent="0">
+              <a:buNone/>
+            </a:pPr>
+            <a:r>
+              <a:rPr lang="en-US" b="1" dirty="0">
+                <a:solidFill>
+                  <a:schemeClr val="accent6">
+                    <a:lumMod val="75000"/>
+                  </a:schemeClr>
+                </a:solidFill>
+              </a:rPr>
+              <a:t>for </a:t>
+            </a:r>
+            <a:r>
+              <a:rPr lang="en-US" b="1" dirty="0" err="1">
+                <a:solidFill>
+                  <a:schemeClr val="accent6">
+                    <a:lumMod val="75000"/>
+                  </a:schemeClr>
+                </a:solidFill>
+              </a:rPr>
+              <a:t>i</a:t>
+            </a:r>
+            <a:r>
+              <a:rPr lang="en-US" b="1" dirty="0">
+                <a:solidFill>
+                  <a:schemeClr val="accent6">
+                    <a:lumMod val="75000"/>
+                  </a:schemeClr>
+                </a:solidFill>
+              </a:rPr>
+              <a:t> in range(n):</a:t>
+            </a:r>
+          </a:p>
+          <a:p>
+            <a:pPr marL="0" indent="0">
+              <a:buNone/>
+            </a:pPr>
+            <a:r>
+              <a:rPr lang="en-US" b="1" dirty="0">
+                <a:solidFill>
+                  <a:schemeClr val="accent6">
+                    <a:lumMod val="75000"/>
+                  </a:schemeClr>
+                </a:solidFill>
+              </a:rPr>
+              <a:t>   print (</a:t>
+            </a:r>
+            <a:r>
+              <a:rPr lang="en-US" b="1" dirty="0" err="1">
+                <a:solidFill>
+                  <a:schemeClr val="accent6">
+                    <a:lumMod val="75000"/>
+                  </a:schemeClr>
+                </a:solidFill>
+              </a:rPr>
+              <a:t>arr</a:t>
+            </a:r>
+            <a:r>
+              <a:rPr lang="en-US" b="1" dirty="0">
+                <a:solidFill>
+                  <a:schemeClr val="accent6">
+                    <a:lumMod val="75000"/>
+                  </a:schemeClr>
+                </a:solidFill>
+              </a:rPr>
+              <a:t>[</a:t>
+            </a:r>
+            <a:r>
+              <a:rPr lang="en-US" b="1" dirty="0" err="1">
+                <a:solidFill>
+                  <a:schemeClr val="accent6">
+                    <a:lumMod val="75000"/>
+                  </a:schemeClr>
+                </a:solidFill>
+              </a:rPr>
+              <a:t>i</a:t>
+            </a:r>
+            <a:r>
+              <a:rPr lang="en-US" b="1" dirty="0">
+                <a:solidFill>
+                  <a:schemeClr val="accent6">
+                    <a:lumMod val="75000"/>
+                  </a:schemeClr>
+                </a:solidFill>
+              </a:rPr>
+              <a:t>],end=" ")</a:t>
+            </a:r>
           </a:p>
         </p:txBody>
       </p:sp>
     </p:spTree>
     <p:extLst>
       <p:ext uri="{BB962C8B-B14F-4D97-AF65-F5344CB8AC3E}">
-        <p14:creationId xmlns:p14="http://schemas.microsoft.com/office/powerpoint/2010/main" val="2694960379"/>
+        <p14:creationId xmlns:p14="http://schemas.microsoft.com/office/powerpoint/2010/main" val="2204968836"/>
       </p:ext>
     </p:extLst>
   </p:cSld>
   <p:clrMapOvr>
     <a:masterClrMapping/>
   </p:clrMapOvr>
-  <p:timing>
-    <p:tnLst>
-      <p:par>
-        <p:cTn id="1" dur="indefinite" restart="never" nodeType="tmRoot"/>
-      </p:par>
-    </p:tnLst>
-  </p:timing>
 </p:sld>
 </file>
 
